--- a/about/images/equipe-leptonex.pptx
+++ b/about/images/equipe-leptonex.pptx
@@ -104,6 +104,11 @@
       </a:defRPr>
     </a:lvl9pPr>
   </p:defaultTextStyle>
+  <p:extLst>
+    <p:ext uri="{EFAFB233-063F-42B5-8137-9DF3F51BA10A}">
+      <p15:sldGuideLst xmlns:p15="http://schemas.microsoft.com/office/powerpoint/2012/main"/>
+    </p:ext>
+  </p:extLst>
 </p:presentation>
 </file>
 
@@ -254,7 +259,7 @@
           <a:p>
             <a:fld id="{6277BD84-42E0-E148-969D-0479BE8FD03A}" type="datetimeFigureOut">
               <a:rPr lang="fr-FR" smtClean="0"/>
-              <a:t>03/04/2025</a:t>
+              <a:t>09/04/2025</a:t>
             </a:fld>
             <a:endParaRPr lang="fr-FR"/>
           </a:p>
@@ -452,7 +457,7 @@
           <a:p>
             <a:fld id="{6277BD84-42E0-E148-969D-0479BE8FD03A}" type="datetimeFigureOut">
               <a:rPr lang="fr-FR" smtClean="0"/>
-              <a:t>03/04/2025</a:t>
+              <a:t>09/04/2025</a:t>
             </a:fld>
             <a:endParaRPr lang="fr-FR"/>
           </a:p>
@@ -660,7 +665,7 @@
           <a:p>
             <a:fld id="{6277BD84-42E0-E148-969D-0479BE8FD03A}" type="datetimeFigureOut">
               <a:rPr lang="fr-FR" smtClean="0"/>
-              <a:t>03/04/2025</a:t>
+              <a:t>09/04/2025</a:t>
             </a:fld>
             <a:endParaRPr lang="fr-FR"/>
           </a:p>
@@ -858,7 +863,7 @@
           <a:p>
             <a:fld id="{6277BD84-42E0-E148-969D-0479BE8FD03A}" type="datetimeFigureOut">
               <a:rPr lang="fr-FR" smtClean="0"/>
-              <a:t>03/04/2025</a:t>
+              <a:t>09/04/2025</a:t>
             </a:fld>
             <a:endParaRPr lang="fr-FR"/>
           </a:p>
@@ -1133,7 +1138,7 @@
           <a:p>
             <a:fld id="{6277BD84-42E0-E148-969D-0479BE8FD03A}" type="datetimeFigureOut">
               <a:rPr lang="fr-FR" smtClean="0"/>
-              <a:t>03/04/2025</a:t>
+              <a:t>09/04/2025</a:t>
             </a:fld>
             <a:endParaRPr lang="fr-FR"/>
           </a:p>
@@ -1398,7 +1403,7 @@
           <a:p>
             <a:fld id="{6277BD84-42E0-E148-969D-0479BE8FD03A}" type="datetimeFigureOut">
               <a:rPr lang="fr-FR" smtClean="0"/>
-              <a:t>03/04/2025</a:t>
+              <a:t>09/04/2025</a:t>
             </a:fld>
             <a:endParaRPr lang="fr-FR"/>
           </a:p>
@@ -1810,7 +1815,7 @@
           <a:p>
             <a:fld id="{6277BD84-42E0-E148-969D-0479BE8FD03A}" type="datetimeFigureOut">
               <a:rPr lang="fr-FR" smtClean="0"/>
-              <a:t>03/04/2025</a:t>
+              <a:t>09/04/2025</a:t>
             </a:fld>
             <a:endParaRPr lang="fr-FR"/>
           </a:p>
@@ -1951,7 +1956,7 @@
           <a:p>
             <a:fld id="{6277BD84-42E0-E148-969D-0479BE8FD03A}" type="datetimeFigureOut">
               <a:rPr lang="fr-FR" smtClean="0"/>
-              <a:t>03/04/2025</a:t>
+              <a:t>09/04/2025</a:t>
             </a:fld>
             <a:endParaRPr lang="fr-FR"/>
           </a:p>
@@ -2064,7 +2069,7 @@
           <a:p>
             <a:fld id="{6277BD84-42E0-E148-969D-0479BE8FD03A}" type="datetimeFigureOut">
               <a:rPr lang="fr-FR" smtClean="0"/>
-              <a:t>03/04/2025</a:t>
+              <a:t>09/04/2025</a:t>
             </a:fld>
             <a:endParaRPr lang="fr-FR"/>
           </a:p>
@@ -2375,7 +2380,7 @@
           <a:p>
             <a:fld id="{6277BD84-42E0-E148-969D-0479BE8FD03A}" type="datetimeFigureOut">
               <a:rPr lang="fr-FR" smtClean="0"/>
-              <a:t>03/04/2025</a:t>
+              <a:t>09/04/2025</a:t>
             </a:fld>
             <a:endParaRPr lang="fr-FR"/>
           </a:p>
@@ -2663,7 +2668,7 @@
           <a:p>
             <a:fld id="{6277BD84-42E0-E148-969D-0479BE8FD03A}" type="datetimeFigureOut">
               <a:rPr lang="fr-FR" smtClean="0"/>
-              <a:t>03/04/2025</a:t>
+              <a:t>09/04/2025</a:t>
             </a:fld>
             <a:endParaRPr lang="fr-FR"/>
           </a:p>
@@ -2904,7 +2909,7 @@
           <a:p>
             <a:fld id="{6277BD84-42E0-E148-969D-0479BE8FD03A}" type="datetimeFigureOut">
               <a:rPr lang="fr-FR" smtClean="0"/>
-              <a:t>03/04/2025</a:t>
+              <a:t>09/04/2025</a:t>
             </a:fld>
             <a:endParaRPr lang="fr-FR"/>
           </a:p>
@@ -3621,7 +3626,7 @@
                 <a:cs typeface="Open Sans"/>
                 <a:sym typeface="Open Sans"/>
               </a:rPr>
-              <a:t>Olivier Gimenez (DR CNRS)</a:t>
+              <a:t>Olivier Gimenez</a:t>
             </a:r>
           </a:p>
           <a:p>
@@ -3663,18 +3668,15 @@
               </a:rPr>
               <a:t>Lescureux</a:t>
             </a:r>
-            <a:r>
-              <a:rPr lang="fr-FR" sz="1200" dirty="0">
-                <a:solidFill>
-                  <a:schemeClr val="tx2"/>
-                </a:solidFill>
-                <a:latin typeface="Open Sans"/>
-                <a:ea typeface="Open Sans"/>
-                <a:cs typeface="Open Sans"/>
-                <a:sym typeface="Open Sans"/>
-              </a:rPr>
-              <a:t> (CR CNRS)</a:t>
-            </a:r>
+            <a:endParaRPr lang="fr-FR" sz="1200" dirty="0">
+              <a:solidFill>
+                <a:schemeClr val="tx2"/>
+              </a:solidFill>
+              <a:latin typeface="Open Sans"/>
+              <a:ea typeface="Open Sans"/>
+              <a:cs typeface="Open Sans"/>
+              <a:sym typeface="Open Sans"/>
+            </a:endParaRPr>
           </a:p>
           <a:p>
             <a:pPr indent="457200">
@@ -3701,7 +3703,7 @@
                 <a:cs typeface="Open Sans"/>
                 <a:sym typeface="Open Sans"/>
               </a:rPr>
-              <a:t>Romain Duda (CR CNRS)</a:t>
+              <a:t>Romain Duda</a:t>
             </a:r>
           </a:p>
           <a:p>
@@ -3743,18 +3745,15 @@
               </a:rPr>
               <a:t>Mathevet</a:t>
             </a:r>
-            <a:r>
-              <a:rPr lang="fr-FR" sz="1200" dirty="0">
-                <a:solidFill>
-                  <a:schemeClr val="tx2"/>
-                </a:solidFill>
-                <a:latin typeface="Open Sans"/>
-                <a:ea typeface="Open Sans"/>
-                <a:cs typeface="Open Sans"/>
-                <a:sym typeface="Open Sans"/>
-              </a:rPr>
-              <a:t> (DR CNRS)</a:t>
-            </a:r>
+            <a:endParaRPr lang="fr-FR" sz="1200" dirty="0">
+              <a:solidFill>
+                <a:schemeClr val="tx2"/>
+              </a:solidFill>
+              <a:latin typeface="Open Sans"/>
+              <a:ea typeface="Open Sans"/>
+              <a:cs typeface="Open Sans"/>
+              <a:sym typeface="Open Sans"/>
+            </a:endParaRPr>
           </a:p>
           <a:p>
             <a:pPr indent="457200">
@@ -3781,7 +3780,7 @@
                 <a:cs typeface="Open Sans"/>
                 <a:sym typeface="Open Sans"/>
               </a:rPr>
-              <a:t>Anne Charpentier (MCF UM)</a:t>
+              <a:t>Anne Charpentier</a:t>
             </a:r>
           </a:p>
           <a:p>
@@ -3809,7 +3808,7 @@
                 <a:cs typeface="Open Sans"/>
                 <a:sym typeface="Open Sans"/>
               </a:rPr>
-              <a:t>Samuel Perret (AI CNRS)</a:t>
+              <a:t>Samuel Perret</a:t>
             </a:r>
           </a:p>
           <a:p>
@@ -3835,7 +3834,7 @@
                 <a:cs typeface="Open Sans"/>
                 <a:sym typeface="Open Sans"/>
               </a:rPr>
-              <a:t>Christophe de Franceschi (AI CNRS)</a:t>
+              <a:t>Christophe de Franceschi</a:t>
             </a:r>
           </a:p>
           <a:p>
@@ -3861,7 +3860,7 @@
                 <a:cs typeface="Open Sans"/>
                 <a:sym typeface="Open Sans"/>
               </a:rPr>
-              <a:t>Annick Lucas (AI CNRS)</a:t>
+              <a:t>Annick Lucas</a:t>
             </a:r>
           </a:p>
           <a:p>
@@ -3887,7 +3886,7 @@
                 <a:cs typeface="Open Sans"/>
                 <a:sym typeface="Open Sans"/>
               </a:rPr>
-              <a:t>Camille Mottier (M2)</a:t>
+              <a:t>Camille Mottier</a:t>
             </a:r>
           </a:p>
           <a:p>
@@ -3913,7 +3912,7 @@
                 <a:cs typeface="Open Sans"/>
                 <a:sym typeface="Open Sans"/>
               </a:rPr>
-              <a:t>Lucie Develay Nguyen (M2)</a:t>
+              <a:t>Lucie Develay Nguyen</a:t>
             </a:r>
           </a:p>
           <a:p>
@@ -4017,7 +4016,7 @@
                 <a:cs typeface="Open Sans"/>
                 <a:sym typeface="Open Sans"/>
               </a:rPr>
-              <a:t>Nathalie Charbonnel (DR INRAE)</a:t>
+              <a:t>Nathalie Charbonnel</a:t>
             </a:r>
           </a:p>
           <a:p>
@@ -4045,7 +4044,7 @@
                 <a:cs typeface="Open Sans"/>
                 <a:sym typeface="Open Sans"/>
               </a:rPr>
-              <a:t>Guillaume Castel (CR INRAE)</a:t>
+              <a:t>Guillaume Castel</a:t>
             </a:r>
           </a:p>
           <a:p>
@@ -4073,7 +4072,7 @@
                 <a:cs typeface="Open Sans"/>
                 <a:sym typeface="Open Sans"/>
               </a:rPr>
-              <a:t>Karine Berthier (CR INRAE)</a:t>
+              <a:t>Karine Berthier</a:t>
             </a:r>
           </a:p>
           <a:p>
@@ -4115,18 +4114,15 @@
               </a:rPr>
               <a:t>Galan</a:t>
             </a:r>
-            <a:r>
-              <a:rPr lang="fr-FR" sz="1200" dirty="0">
-                <a:solidFill>
-                  <a:schemeClr val="tx2"/>
-                </a:solidFill>
-                <a:latin typeface="Open Sans"/>
-                <a:ea typeface="Open Sans"/>
-                <a:cs typeface="Open Sans"/>
-                <a:sym typeface="Open Sans"/>
-              </a:rPr>
-              <a:t> (IR INRAE)</a:t>
-            </a:r>
+            <a:endParaRPr lang="fr-FR" sz="1200" dirty="0">
+              <a:solidFill>
+                <a:schemeClr val="tx2"/>
+              </a:solidFill>
+              <a:latin typeface="Open Sans"/>
+              <a:ea typeface="Open Sans"/>
+              <a:cs typeface="Open Sans"/>
+              <a:sym typeface="Open Sans"/>
+            </a:endParaRPr>
           </a:p>
           <a:p>
             <a:pPr marL="450000">
@@ -4167,18 +4163,15 @@
               </a:rPr>
               <a:t>Piry</a:t>
             </a:r>
-            <a:r>
-              <a:rPr lang="fr-FR" sz="1200" dirty="0">
-                <a:solidFill>
-                  <a:schemeClr val="tx2"/>
-                </a:solidFill>
-                <a:latin typeface="Open Sans"/>
-                <a:ea typeface="Open Sans"/>
-                <a:cs typeface="Open Sans"/>
-                <a:sym typeface="Open Sans"/>
-              </a:rPr>
-              <a:t> (IR INRAE)</a:t>
-            </a:r>
+            <a:endParaRPr lang="fr-FR" sz="1200" dirty="0">
+              <a:solidFill>
+                <a:schemeClr val="tx2"/>
+              </a:solidFill>
+              <a:latin typeface="Open Sans"/>
+              <a:ea typeface="Open Sans"/>
+              <a:cs typeface="Open Sans"/>
+              <a:sym typeface="Open Sans"/>
+            </a:endParaRPr>
           </a:p>
           <a:p>
             <a:pPr marL="450000">
@@ -4205,7 +4198,7 @@
                 <a:cs typeface="Open Sans"/>
                 <a:sym typeface="Open Sans"/>
               </a:rPr>
-              <a:t>Philippe Gauthier (IE IRD)</a:t>
+              <a:t>Philippe Gauthier</a:t>
             </a:r>
           </a:p>
           <a:p>
@@ -4247,18 +4240,15 @@
               </a:rPr>
               <a:t>Artige</a:t>
             </a:r>
-            <a:r>
-              <a:rPr lang="fr-FR" sz="1200" dirty="0">
-                <a:solidFill>
-                  <a:schemeClr val="tx2"/>
-                </a:solidFill>
-                <a:latin typeface="Open Sans"/>
-                <a:ea typeface="Open Sans"/>
-                <a:cs typeface="Open Sans"/>
-                <a:sym typeface="Open Sans"/>
-              </a:rPr>
-              <a:t> (IE INRAE)</a:t>
-            </a:r>
+            <a:endParaRPr lang="fr-FR" sz="1200" dirty="0">
+              <a:solidFill>
+                <a:schemeClr val="tx2"/>
+              </a:solidFill>
+              <a:latin typeface="Open Sans"/>
+              <a:ea typeface="Open Sans"/>
+              <a:cs typeface="Open Sans"/>
+              <a:sym typeface="Open Sans"/>
+            </a:endParaRPr>
           </a:p>
           <a:p>
             <a:pPr marL="450000">
@@ -4285,7 +4275,7 @@
                 <a:cs typeface="Open Sans"/>
                 <a:sym typeface="Open Sans"/>
               </a:rPr>
-              <a:t>Anne Loiseau (TR INRAE)</a:t>
+              <a:t>Anne Loiseau</a:t>
             </a:r>
           </a:p>
           <a:p>
@@ -4327,18 +4317,15 @@
               </a:rPr>
               <a:t>Tatard</a:t>
             </a:r>
-            <a:r>
-              <a:rPr lang="fr-FR" sz="1200" dirty="0">
-                <a:solidFill>
-                  <a:schemeClr val="tx2"/>
-                </a:solidFill>
-                <a:latin typeface="Open Sans"/>
-                <a:ea typeface="Open Sans"/>
-                <a:cs typeface="Open Sans"/>
-                <a:sym typeface="Open Sans"/>
-              </a:rPr>
-              <a:t> (TR INRAE)</a:t>
-            </a:r>
+            <a:endParaRPr lang="fr-FR" sz="1200" dirty="0">
+              <a:solidFill>
+                <a:schemeClr val="tx2"/>
+              </a:solidFill>
+              <a:latin typeface="Open Sans"/>
+              <a:ea typeface="Open Sans"/>
+              <a:cs typeface="Open Sans"/>
+              <a:sym typeface="Open Sans"/>
+            </a:endParaRPr>
           </a:p>
           <a:p>
             <a:pPr marL="450000">
@@ -4365,7 +4352,7 @@
                 <a:cs typeface="Open Sans"/>
                 <a:sym typeface="Open Sans"/>
               </a:rPr>
-              <a:t>Julien Pradel (TR INRAE)</a:t>
+              <a:t>Julien Pradel</a:t>
             </a:r>
           </a:p>
           <a:p>
@@ -4460,18 +4447,15 @@
               </a:rPr>
               <a:t>Benavides</a:t>
             </a:r>
-            <a:r>
-              <a:rPr lang="fr-FR" sz="1200" dirty="0">
-                <a:solidFill>
-                  <a:schemeClr val="tx2"/>
-                </a:solidFill>
-                <a:latin typeface="Open Sans"/>
-                <a:ea typeface="Open Sans"/>
-                <a:cs typeface="Open Sans"/>
-                <a:sym typeface="Open Sans"/>
-              </a:rPr>
-              <a:t> (DR IRD)</a:t>
-            </a:r>
+            <a:endParaRPr lang="fr-FR" sz="1200" dirty="0">
+              <a:solidFill>
+                <a:schemeClr val="tx2"/>
+              </a:solidFill>
+              <a:latin typeface="Open Sans"/>
+              <a:ea typeface="Open Sans"/>
+              <a:cs typeface="Open Sans"/>
+              <a:sym typeface="Open Sans"/>
+            </a:endParaRPr>
           </a:p>
         </p:txBody>
       </p:sp>
@@ -4491,8 +4475,8 @@
         </p:nvSpPr>
         <p:spPr>
           <a:xfrm>
-            <a:off x="5739048" y="1135229"/>
-            <a:ext cx="5668650" cy="5410199"/>
+            <a:off x="5739047" y="1135229"/>
+            <a:ext cx="6050181" cy="5410199"/>
           </a:xfrm>
           <a:prstGeom prst="rect">
             <a:avLst/>
@@ -4897,7 +4881,7 @@
                 <a:cs typeface="Open Sans"/>
                 <a:sym typeface="Open Sans"/>
               </a:rPr>
-              <a:t>, Direction Nature, Agroécologie et Paysage</a:t>
+              <a:t>, Pôle Biodiversité Paysages Agroécologie et Alimentation</a:t>
             </a:r>
           </a:p>
           <a:p>

--- a/about/images/equipe-leptonex.pptx
+++ b/about/images/equipe-leptonex.pptx
@@ -259,9 +259,9 @@
           <a:p>
             <a:fld id="{6277BD84-42E0-E148-969D-0479BE8FD03A}" type="datetimeFigureOut">
               <a:rPr lang="fr-FR" smtClean="0"/>
-              <a:t>09/04/2025</a:t>
+              <a:t>21/04/2025</a:t>
             </a:fld>
-            <a:endParaRPr lang="fr-FR"/>
+            <a:endParaRPr lang="fr-FR" dirty="0"/>
           </a:p>
         </p:txBody>
       </p:sp>
@@ -286,7 +286,7 @@
           <a:bodyPr/>
           <a:lstStyle/>
           <a:p>
-            <a:endParaRPr lang="fr-FR"/>
+            <a:endParaRPr lang="fr-FR" dirty="0"/>
           </a:p>
         </p:txBody>
       </p:sp>
@@ -315,7 +315,7 @@
               <a:rPr lang="fr-FR" smtClean="0"/>
               <a:t>‹N°›</a:t>
             </a:fld>
-            <a:endParaRPr lang="fr-FR"/>
+            <a:endParaRPr lang="fr-FR" dirty="0"/>
           </a:p>
         </p:txBody>
       </p:sp>
@@ -457,9 +457,9 @@
           <a:p>
             <a:fld id="{6277BD84-42E0-E148-969D-0479BE8FD03A}" type="datetimeFigureOut">
               <a:rPr lang="fr-FR" smtClean="0"/>
-              <a:t>09/04/2025</a:t>
+              <a:t>21/04/2025</a:t>
             </a:fld>
-            <a:endParaRPr lang="fr-FR"/>
+            <a:endParaRPr lang="fr-FR" dirty="0"/>
           </a:p>
         </p:txBody>
       </p:sp>
@@ -484,7 +484,7 @@
           <a:bodyPr/>
           <a:lstStyle/>
           <a:p>
-            <a:endParaRPr lang="fr-FR"/>
+            <a:endParaRPr lang="fr-FR" dirty="0"/>
           </a:p>
         </p:txBody>
       </p:sp>
@@ -513,7 +513,7 @@
               <a:rPr lang="fr-FR" smtClean="0"/>
               <a:t>‹N°›</a:t>
             </a:fld>
-            <a:endParaRPr lang="fr-FR"/>
+            <a:endParaRPr lang="fr-FR" dirty="0"/>
           </a:p>
         </p:txBody>
       </p:sp>
@@ -665,9 +665,9 @@
           <a:p>
             <a:fld id="{6277BD84-42E0-E148-969D-0479BE8FD03A}" type="datetimeFigureOut">
               <a:rPr lang="fr-FR" smtClean="0"/>
-              <a:t>09/04/2025</a:t>
+              <a:t>21/04/2025</a:t>
             </a:fld>
-            <a:endParaRPr lang="fr-FR"/>
+            <a:endParaRPr lang="fr-FR" dirty="0"/>
           </a:p>
         </p:txBody>
       </p:sp>
@@ -692,7 +692,7 @@
           <a:bodyPr/>
           <a:lstStyle/>
           <a:p>
-            <a:endParaRPr lang="fr-FR"/>
+            <a:endParaRPr lang="fr-FR" dirty="0"/>
           </a:p>
         </p:txBody>
       </p:sp>
@@ -721,7 +721,7 @@
               <a:rPr lang="fr-FR" smtClean="0"/>
               <a:t>‹N°›</a:t>
             </a:fld>
-            <a:endParaRPr lang="fr-FR"/>
+            <a:endParaRPr lang="fr-FR" dirty="0"/>
           </a:p>
         </p:txBody>
       </p:sp>
@@ -863,9 +863,9 @@
           <a:p>
             <a:fld id="{6277BD84-42E0-E148-969D-0479BE8FD03A}" type="datetimeFigureOut">
               <a:rPr lang="fr-FR" smtClean="0"/>
-              <a:t>09/04/2025</a:t>
+              <a:t>21/04/2025</a:t>
             </a:fld>
-            <a:endParaRPr lang="fr-FR"/>
+            <a:endParaRPr lang="fr-FR" dirty="0"/>
           </a:p>
         </p:txBody>
       </p:sp>
@@ -890,7 +890,7 @@
           <a:bodyPr/>
           <a:lstStyle/>
           <a:p>
-            <a:endParaRPr lang="fr-FR"/>
+            <a:endParaRPr lang="fr-FR" dirty="0"/>
           </a:p>
         </p:txBody>
       </p:sp>
@@ -919,7 +919,7 @@
               <a:rPr lang="fr-FR" smtClean="0"/>
               <a:t>‹N°›</a:t>
             </a:fld>
-            <a:endParaRPr lang="fr-FR"/>
+            <a:endParaRPr lang="fr-FR" dirty="0"/>
           </a:p>
         </p:txBody>
       </p:sp>
@@ -1138,9 +1138,9 @@
           <a:p>
             <a:fld id="{6277BD84-42E0-E148-969D-0479BE8FD03A}" type="datetimeFigureOut">
               <a:rPr lang="fr-FR" smtClean="0"/>
-              <a:t>09/04/2025</a:t>
+              <a:t>21/04/2025</a:t>
             </a:fld>
-            <a:endParaRPr lang="fr-FR"/>
+            <a:endParaRPr lang="fr-FR" dirty="0"/>
           </a:p>
         </p:txBody>
       </p:sp>
@@ -1165,7 +1165,7 @@
           <a:bodyPr/>
           <a:lstStyle/>
           <a:p>
-            <a:endParaRPr lang="fr-FR"/>
+            <a:endParaRPr lang="fr-FR" dirty="0"/>
           </a:p>
         </p:txBody>
       </p:sp>
@@ -1194,7 +1194,7 @@
               <a:rPr lang="fr-FR" smtClean="0"/>
               <a:t>‹N°›</a:t>
             </a:fld>
-            <a:endParaRPr lang="fr-FR"/>
+            <a:endParaRPr lang="fr-FR" dirty="0"/>
           </a:p>
         </p:txBody>
       </p:sp>
@@ -1403,9 +1403,9 @@
           <a:p>
             <a:fld id="{6277BD84-42E0-E148-969D-0479BE8FD03A}" type="datetimeFigureOut">
               <a:rPr lang="fr-FR" smtClean="0"/>
-              <a:t>09/04/2025</a:t>
+              <a:t>21/04/2025</a:t>
             </a:fld>
-            <a:endParaRPr lang="fr-FR"/>
+            <a:endParaRPr lang="fr-FR" dirty="0"/>
           </a:p>
         </p:txBody>
       </p:sp>
@@ -1430,7 +1430,7 @@
           <a:bodyPr/>
           <a:lstStyle/>
           <a:p>
-            <a:endParaRPr lang="fr-FR"/>
+            <a:endParaRPr lang="fr-FR" dirty="0"/>
           </a:p>
         </p:txBody>
       </p:sp>
@@ -1459,7 +1459,7 @@
               <a:rPr lang="fr-FR" smtClean="0"/>
               <a:t>‹N°›</a:t>
             </a:fld>
-            <a:endParaRPr lang="fr-FR"/>
+            <a:endParaRPr lang="fr-FR" dirty="0"/>
           </a:p>
         </p:txBody>
       </p:sp>
@@ -1815,9 +1815,9 @@
           <a:p>
             <a:fld id="{6277BD84-42E0-E148-969D-0479BE8FD03A}" type="datetimeFigureOut">
               <a:rPr lang="fr-FR" smtClean="0"/>
-              <a:t>09/04/2025</a:t>
+              <a:t>21/04/2025</a:t>
             </a:fld>
-            <a:endParaRPr lang="fr-FR"/>
+            <a:endParaRPr lang="fr-FR" dirty="0"/>
           </a:p>
         </p:txBody>
       </p:sp>
@@ -1842,7 +1842,7 @@
           <a:bodyPr/>
           <a:lstStyle/>
           <a:p>
-            <a:endParaRPr lang="fr-FR"/>
+            <a:endParaRPr lang="fr-FR" dirty="0"/>
           </a:p>
         </p:txBody>
       </p:sp>
@@ -1871,7 +1871,7 @@
               <a:rPr lang="fr-FR" smtClean="0"/>
               <a:t>‹N°›</a:t>
             </a:fld>
-            <a:endParaRPr lang="fr-FR"/>
+            <a:endParaRPr lang="fr-FR" dirty="0"/>
           </a:p>
         </p:txBody>
       </p:sp>
@@ -1956,9 +1956,9 @@
           <a:p>
             <a:fld id="{6277BD84-42E0-E148-969D-0479BE8FD03A}" type="datetimeFigureOut">
               <a:rPr lang="fr-FR" smtClean="0"/>
-              <a:t>09/04/2025</a:t>
+              <a:t>21/04/2025</a:t>
             </a:fld>
-            <a:endParaRPr lang="fr-FR"/>
+            <a:endParaRPr lang="fr-FR" dirty="0"/>
           </a:p>
         </p:txBody>
       </p:sp>
@@ -1983,7 +1983,7 @@
           <a:bodyPr/>
           <a:lstStyle/>
           <a:p>
-            <a:endParaRPr lang="fr-FR"/>
+            <a:endParaRPr lang="fr-FR" dirty="0"/>
           </a:p>
         </p:txBody>
       </p:sp>
@@ -2012,7 +2012,7 @@
               <a:rPr lang="fr-FR" smtClean="0"/>
               <a:t>‹N°›</a:t>
             </a:fld>
-            <a:endParaRPr lang="fr-FR"/>
+            <a:endParaRPr lang="fr-FR" dirty="0"/>
           </a:p>
         </p:txBody>
       </p:sp>
@@ -2069,9 +2069,9 @@
           <a:p>
             <a:fld id="{6277BD84-42E0-E148-969D-0479BE8FD03A}" type="datetimeFigureOut">
               <a:rPr lang="fr-FR" smtClean="0"/>
-              <a:t>09/04/2025</a:t>
+              <a:t>21/04/2025</a:t>
             </a:fld>
-            <a:endParaRPr lang="fr-FR"/>
+            <a:endParaRPr lang="fr-FR" dirty="0"/>
           </a:p>
         </p:txBody>
       </p:sp>
@@ -2096,7 +2096,7 @@
           <a:bodyPr/>
           <a:lstStyle/>
           <a:p>
-            <a:endParaRPr lang="fr-FR"/>
+            <a:endParaRPr lang="fr-FR" dirty="0"/>
           </a:p>
         </p:txBody>
       </p:sp>
@@ -2125,7 +2125,7 @@
               <a:rPr lang="fr-FR" smtClean="0"/>
               <a:t>‹N°›</a:t>
             </a:fld>
-            <a:endParaRPr lang="fr-FR"/>
+            <a:endParaRPr lang="fr-FR" dirty="0"/>
           </a:p>
         </p:txBody>
       </p:sp>
@@ -2380,9 +2380,9 @@
           <a:p>
             <a:fld id="{6277BD84-42E0-E148-969D-0479BE8FD03A}" type="datetimeFigureOut">
               <a:rPr lang="fr-FR" smtClean="0"/>
-              <a:t>09/04/2025</a:t>
+              <a:t>21/04/2025</a:t>
             </a:fld>
-            <a:endParaRPr lang="fr-FR"/>
+            <a:endParaRPr lang="fr-FR" dirty="0"/>
           </a:p>
         </p:txBody>
       </p:sp>
@@ -2407,7 +2407,7 @@
           <a:bodyPr/>
           <a:lstStyle/>
           <a:p>
-            <a:endParaRPr lang="fr-FR"/>
+            <a:endParaRPr lang="fr-FR" dirty="0"/>
           </a:p>
         </p:txBody>
       </p:sp>
@@ -2436,7 +2436,7 @@
               <a:rPr lang="fr-FR" smtClean="0"/>
               <a:t>‹N°›</a:t>
             </a:fld>
-            <a:endParaRPr lang="fr-FR"/>
+            <a:endParaRPr lang="fr-FR" dirty="0"/>
           </a:p>
         </p:txBody>
       </p:sp>
@@ -2570,7 +2570,7 @@
             </a:lvl9pPr>
           </a:lstStyle>
           <a:p>
-            <a:endParaRPr lang="fr-FR"/>
+            <a:endParaRPr lang="fr-FR" dirty="0"/>
           </a:p>
         </p:txBody>
       </p:sp>
@@ -2668,9 +2668,9 @@
           <a:p>
             <a:fld id="{6277BD84-42E0-E148-969D-0479BE8FD03A}" type="datetimeFigureOut">
               <a:rPr lang="fr-FR" smtClean="0"/>
-              <a:t>09/04/2025</a:t>
+              <a:t>21/04/2025</a:t>
             </a:fld>
-            <a:endParaRPr lang="fr-FR"/>
+            <a:endParaRPr lang="fr-FR" dirty="0"/>
           </a:p>
         </p:txBody>
       </p:sp>
@@ -2695,7 +2695,7 @@
           <a:bodyPr/>
           <a:lstStyle/>
           <a:p>
-            <a:endParaRPr lang="fr-FR"/>
+            <a:endParaRPr lang="fr-FR" dirty="0"/>
           </a:p>
         </p:txBody>
       </p:sp>
@@ -2724,7 +2724,7 @@
               <a:rPr lang="fr-FR" smtClean="0"/>
               <a:t>‹N°›</a:t>
             </a:fld>
-            <a:endParaRPr lang="fr-FR"/>
+            <a:endParaRPr lang="fr-FR" dirty="0"/>
           </a:p>
         </p:txBody>
       </p:sp>
@@ -2909,9 +2909,9 @@
           <a:p>
             <a:fld id="{6277BD84-42E0-E148-969D-0479BE8FD03A}" type="datetimeFigureOut">
               <a:rPr lang="fr-FR" smtClean="0"/>
-              <a:t>09/04/2025</a:t>
+              <a:t>21/04/2025</a:t>
             </a:fld>
-            <a:endParaRPr lang="fr-FR"/>
+            <a:endParaRPr lang="fr-FR" dirty="0"/>
           </a:p>
         </p:txBody>
       </p:sp>
@@ -2954,7 +2954,7 @@
             </a:lvl1pPr>
           </a:lstStyle>
           <a:p>
-            <a:endParaRPr lang="fr-FR"/>
+            <a:endParaRPr lang="fr-FR" dirty="0"/>
           </a:p>
         </p:txBody>
       </p:sp>
@@ -3001,7 +3001,7 @@
               <a:rPr lang="fr-FR" smtClean="0"/>
               <a:t>‹N°›</a:t>
             </a:fld>
-            <a:endParaRPr lang="fr-FR"/>
+            <a:endParaRPr lang="fr-FR" dirty="0"/>
           </a:p>
         </p:txBody>
       </p:sp>
@@ -3355,7 +3355,7 @@
         </p:spPr>
         <p:txBody>
           <a:bodyPr spcFirstLastPara="1" wrap="square" lIns="91425" tIns="45700" rIns="91425" bIns="45700" anchor="t" anchorCtr="0">
-            <a:normAutofit fontScale="92500" lnSpcReduction="20000"/>
+            <a:normAutofit fontScale="85000" lnSpcReduction="20000"/>
           </a:bodyPr>
           <a:lstStyle>
             <a:lvl1pPr marL="0" indent="0" algn="l" defTabSz="914400" rtl="0" eaLnBrk="1" latinLnBrk="0" hangingPunct="1">
@@ -3654,10 +3654,26 @@
                 <a:cs typeface="Open Sans"/>
                 <a:sym typeface="Open Sans"/>
               </a:rPr>
-              <a:t>Nicolas </a:t>
-            </a:r>
-            <a:r>
-              <a:rPr lang="fr-FR" sz="1200" dirty="0" err="1">
+              <a:t>Nicolas Lescureux</a:t>
+            </a:r>
+          </a:p>
+          <a:p>
+            <a:pPr indent="457200">
+              <a:lnSpc>
+                <a:spcPct val="115000"/>
+              </a:lnSpc>
+              <a:spcBef>
+                <a:spcPts val="0"/>
+              </a:spcBef>
+              <a:buClr>
+                <a:schemeClr val="dk1"/>
+              </a:buClr>
+              <a:buSzPts val="1100"/>
+              <a:buFont typeface="Arial"/>
+              <a:buNone/>
+            </a:pPr>
+            <a:r>
+              <a:rPr lang="fr-FR" sz="1200" dirty="0">
                 <a:solidFill>
                   <a:schemeClr val="tx2"/>
                 </a:solidFill>
@@ -3666,8 +3682,210 @@
                 <a:cs typeface="Open Sans"/>
                 <a:sym typeface="Open Sans"/>
               </a:rPr>
-              <a:t>Lescureux</a:t>
-            </a:r>
+              <a:t>Romain Duda</a:t>
+            </a:r>
+          </a:p>
+          <a:p>
+            <a:pPr indent="457200">
+              <a:lnSpc>
+                <a:spcPct val="115000"/>
+              </a:lnSpc>
+              <a:spcBef>
+                <a:spcPts val="0"/>
+              </a:spcBef>
+              <a:buClr>
+                <a:schemeClr val="dk1"/>
+              </a:buClr>
+              <a:buSzPts val="1100"/>
+              <a:buFont typeface="Arial"/>
+              <a:buNone/>
+            </a:pPr>
+            <a:r>
+              <a:rPr lang="fr-FR" sz="1200" dirty="0">
+                <a:solidFill>
+                  <a:schemeClr val="tx2"/>
+                </a:solidFill>
+                <a:latin typeface="Open Sans"/>
+                <a:ea typeface="Open Sans"/>
+                <a:cs typeface="Open Sans"/>
+                <a:sym typeface="Open Sans"/>
+              </a:rPr>
+              <a:t>Raphaël Mathevet</a:t>
+            </a:r>
+          </a:p>
+          <a:p>
+            <a:pPr indent="457200">
+              <a:lnSpc>
+                <a:spcPct val="115000"/>
+              </a:lnSpc>
+              <a:spcBef>
+                <a:spcPts val="0"/>
+              </a:spcBef>
+              <a:buClr>
+                <a:schemeClr val="dk1"/>
+              </a:buClr>
+              <a:buSzPts val="1100"/>
+              <a:buFont typeface="Arial"/>
+              <a:buNone/>
+            </a:pPr>
+            <a:r>
+              <a:rPr lang="fr-FR" sz="1200" dirty="0">
+                <a:solidFill>
+                  <a:schemeClr val="tx2"/>
+                </a:solidFill>
+                <a:latin typeface="Open Sans"/>
+                <a:ea typeface="Open Sans"/>
+                <a:cs typeface="Open Sans"/>
+                <a:sym typeface="Open Sans"/>
+              </a:rPr>
+              <a:t>Anne Charpentier</a:t>
+            </a:r>
+          </a:p>
+          <a:p>
+            <a:pPr indent="457200">
+              <a:lnSpc>
+                <a:spcPct val="115000"/>
+              </a:lnSpc>
+              <a:spcBef>
+                <a:spcPts val="0"/>
+              </a:spcBef>
+              <a:buClr>
+                <a:schemeClr val="dk1"/>
+              </a:buClr>
+              <a:buSzPts val="1100"/>
+              <a:buFont typeface="Arial"/>
+              <a:buNone/>
+            </a:pPr>
+            <a:r>
+              <a:rPr lang="fr-FR" sz="1200" dirty="0">
+                <a:solidFill>
+                  <a:schemeClr val="tx2"/>
+                </a:solidFill>
+                <a:latin typeface="Open Sans"/>
+                <a:ea typeface="Open Sans"/>
+                <a:cs typeface="Open Sans"/>
+                <a:sym typeface="Open Sans"/>
+              </a:rPr>
+              <a:t>Samuel Perret</a:t>
+            </a:r>
+          </a:p>
+          <a:p>
+            <a:pPr indent="457200">
+              <a:lnSpc>
+                <a:spcPct val="115000"/>
+              </a:lnSpc>
+              <a:spcBef>
+                <a:spcPts val="0"/>
+              </a:spcBef>
+              <a:buClr>
+                <a:schemeClr val="dk1"/>
+              </a:buClr>
+              <a:buSzPts val="1100"/>
+            </a:pPr>
+            <a:r>
+              <a:rPr lang="fr-FR" sz="1200" dirty="0">
+                <a:solidFill>
+                  <a:schemeClr val="tx2"/>
+                </a:solidFill>
+                <a:latin typeface="Open Sans"/>
+                <a:ea typeface="Open Sans"/>
+                <a:cs typeface="Open Sans"/>
+                <a:sym typeface="Open Sans"/>
+              </a:rPr>
+              <a:t>Christophe de Franceschi</a:t>
+            </a:r>
+          </a:p>
+          <a:p>
+            <a:pPr indent="457200">
+              <a:lnSpc>
+                <a:spcPct val="115000"/>
+              </a:lnSpc>
+              <a:spcBef>
+                <a:spcPts val="0"/>
+              </a:spcBef>
+              <a:buClr>
+                <a:schemeClr val="dk1"/>
+              </a:buClr>
+              <a:buSzPts val="1100"/>
+            </a:pPr>
+            <a:r>
+              <a:rPr lang="fr-FR" sz="1200" dirty="0">
+                <a:solidFill>
+                  <a:schemeClr val="tx2"/>
+                </a:solidFill>
+                <a:latin typeface="Open Sans"/>
+                <a:ea typeface="Open Sans"/>
+                <a:cs typeface="Open Sans"/>
+                <a:sym typeface="Open Sans"/>
+              </a:rPr>
+              <a:t>Annick Lucas</a:t>
+            </a:r>
+          </a:p>
+          <a:p>
+            <a:pPr indent="457200">
+              <a:lnSpc>
+                <a:spcPct val="115000"/>
+              </a:lnSpc>
+              <a:spcBef>
+                <a:spcPts val="0"/>
+              </a:spcBef>
+              <a:buClr>
+                <a:schemeClr val="dk1"/>
+              </a:buClr>
+              <a:buSzPts val="1100"/>
+            </a:pPr>
+            <a:r>
+              <a:rPr lang="fr-FR" sz="1200" dirty="0">
+                <a:solidFill>
+                  <a:schemeClr val="tx2"/>
+                </a:solidFill>
+                <a:latin typeface="Open Sans"/>
+                <a:ea typeface="Open Sans"/>
+                <a:cs typeface="Open Sans"/>
+                <a:sym typeface="Open Sans"/>
+              </a:rPr>
+              <a:t>Camille Mottier</a:t>
+            </a:r>
+          </a:p>
+          <a:p>
+            <a:pPr indent="457200">
+              <a:lnSpc>
+                <a:spcPct val="115000"/>
+              </a:lnSpc>
+              <a:spcBef>
+                <a:spcPts val="0"/>
+              </a:spcBef>
+              <a:buClr>
+                <a:schemeClr val="dk1"/>
+              </a:buClr>
+              <a:buSzPts val="1100"/>
+            </a:pPr>
+            <a:r>
+              <a:rPr lang="fr-FR" sz="1200" dirty="0">
+                <a:solidFill>
+                  <a:schemeClr val="tx2"/>
+                </a:solidFill>
+                <a:latin typeface="Open Sans"/>
+                <a:ea typeface="Open Sans"/>
+                <a:cs typeface="Open Sans"/>
+                <a:sym typeface="Open Sans"/>
+              </a:rPr>
+              <a:t>Lucie Develay Nguyen</a:t>
+            </a:r>
+          </a:p>
+          <a:p>
+            <a:pPr indent="457200">
+              <a:lnSpc>
+                <a:spcPct val="115000"/>
+              </a:lnSpc>
+              <a:spcBef>
+                <a:spcPts val="0"/>
+              </a:spcBef>
+              <a:buClr>
+                <a:schemeClr val="dk1"/>
+              </a:buClr>
+              <a:buSzPts val="1100"/>
+            </a:pPr>
             <a:endParaRPr lang="fr-FR" sz="1200" dirty="0">
               <a:solidFill>
                 <a:schemeClr val="tx2"/>
@@ -3693,58 +3911,6 @@
               <a:buFont typeface="Arial"/>
               <a:buNone/>
             </a:pPr>
-            <a:r>
-              <a:rPr lang="fr-FR" sz="1200" dirty="0">
-                <a:solidFill>
-                  <a:schemeClr val="tx2"/>
-                </a:solidFill>
-                <a:latin typeface="Open Sans"/>
-                <a:ea typeface="Open Sans"/>
-                <a:cs typeface="Open Sans"/>
-                <a:sym typeface="Open Sans"/>
-              </a:rPr>
-              <a:t>Romain Duda</a:t>
-            </a:r>
-          </a:p>
-          <a:p>
-            <a:pPr indent="457200">
-              <a:lnSpc>
-                <a:spcPct val="115000"/>
-              </a:lnSpc>
-              <a:spcBef>
-                <a:spcPts val="0"/>
-              </a:spcBef>
-              <a:buClr>
-                <a:schemeClr val="dk1"/>
-              </a:buClr>
-              <a:buSzPts val="1100"/>
-              <a:buFont typeface="Arial"/>
-              <a:buNone/>
-            </a:pPr>
-            <a:r>
-              <a:rPr lang="fr-FR" sz="1200" dirty="0">
-                <a:solidFill>
-                  <a:schemeClr val="tx2"/>
-                </a:solidFill>
-                <a:latin typeface="Open Sans"/>
-                <a:ea typeface="Open Sans"/>
-                <a:cs typeface="Open Sans"/>
-                <a:sym typeface="Open Sans"/>
-              </a:rPr>
-              <a:t>Raphaël </a:t>
-            </a:r>
-            <a:r>
-              <a:rPr lang="fr-FR" sz="1200" dirty="0" err="1">
-                <a:solidFill>
-                  <a:schemeClr val="tx2"/>
-                </a:solidFill>
-                <a:latin typeface="Open Sans"/>
-                <a:ea typeface="Open Sans"/>
-                <a:cs typeface="Open Sans"/>
-                <a:sym typeface="Open Sans"/>
-              </a:rPr>
-              <a:t>Mathevet</a:t>
-            </a:r>
             <a:endParaRPr lang="fr-FR" sz="1200" dirty="0">
               <a:solidFill>
                 <a:schemeClr val="tx2"/>
@@ -3756,7 +3922,7 @@
             </a:endParaRPr>
           </a:p>
           <a:p>
-            <a:pPr indent="457200">
+            <a:pPr>
               <a:lnSpc>
                 <a:spcPct val="115000"/>
               </a:lnSpc>
@@ -3771,7 +3937,7 @@
               <a:buNone/>
             </a:pPr>
             <a:r>
-              <a:rPr lang="fr-FR" sz="1200" dirty="0">
+              <a:rPr lang="fr-FR" sz="1200" i="1" dirty="0">
                 <a:solidFill>
                   <a:schemeClr val="tx2"/>
                 </a:solidFill>
@@ -3780,11 +3946,11 @@
                 <a:cs typeface="Open Sans"/>
                 <a:sym typeface="Open Sans"/>
               </a:rPr>
-              <a:t>Anne Charpentier</a:t>
-            </a:r>
-          </a:p>
-          <a:p>
-            <a:pPr indent="457200">
+              <a:t>UMR CBGP</a:t>
+            </a:r>
+          </a:p>
+          <a:p>
+            <a:pPr marL="498475" indent="-53975">
               <a:lnSpc>
                 <a:spcPct val="115000"/>
               </a:lnSpc>
@@ -3808,21 +3974,23 @@
                 <a:cs typeface="Open Sans"/>
                 <a:sym typeface="Open Sans"/>
               </a:rPr>
-              <a:t>Samuel Perret</a:t>
-            </a:r>
-          </a:p>
-          <a:p>
-            <a:pPr indent="457200">
-              <a:lnSpc>
-                <a:spcPct val="115000"/>
-              </a:lnSpc>
-              <a:spcBef>
-                <a:spcPts val="0"/>
-              </a:spcBef>
-              <a:buClr>
-                <a:schemeClr val="dk1"/>
-              </a:buClr>
-              <a:buSzPts val="1100"/>
+              <a:t>Nathalie Charbonnel</a:t>
+            </a:r>
+          </a:p>
+          <a:p>
+            <a:pPr marL="498475" indent="-53975">
+              <a:lnSpc>
+                <a:spcPct val="115000"/>
+              </a:lnSpc>
+              <a:spcBef>
+                <a:spcPts val="0"/>
+              </a:spcBef>
+              <a:buClr>
+                <a:schemeClr val="dk1"/>
+              </a:buClr>
+              <a:buSzPts val="1100"/>
+              <a:buFont typeface="Arial"/>
+              <a:buNone/>
             </a:pPr>
             <a:r>
               <a:rPr lang="fr-FR" sz="1200" dirty="0">
@@ -3834,21 +4002,23 @@
                 <a:cs typeface="Open Sans"/>
                 <a:sym typeface="Open Sans"/>
               </a:rPr>
-              <a:t>Christophe de Franceschi</a:t>
-            </a:r>
-          </a:p>
-          <a:p>
-            <a:pPr indent="457200">
-              <a:lnSpc>
-                <a:spcPct val="115000"/>
-              </a:lnSpc>
-              <a:spcBef>
-                <a:spcPts val="0"/>
-              </a:spcBef>
-              <a:buClr>
-                <a:schemeClr val="dk1"/>
-              </a:buClr>
-              <a:buSzPts val="1100"/>
+              <a:t>Guillaume Castel</a:t>
+            </a:r>
+          </a:p>
+          <a:p>
+            <a:pPr marL="498475" indent="-53975">
+              <a:lnSpc>
+                <a:spcPct val="115000"/>
+              </a:lnSpc>
+              <a:spcBef>
+                <a:spcPts val="0"/>
+              </a:spcBef>
+              <a:buClr>
+                <a:schemeClr val="dk1"/>
+              </a:buClr>
+              <a:buSzPts val="1100"/>
+              <a:buFont typeface="Arial"/>
+              <a:buNone/>
             </a:pPr>
             <a:r>
               <a:rPr lang="fr-FR" sz="1200" dirty="0">
@@ -3860,7 +4030,7 @@
                 <a:cs typeface="Open Sans"/>
                 <a:sym typeface="Open Sans"/>
               </a:rPr>
-              <a:t>Annick Lucas</a:t>
+              <a:t>Karine Berthier</a:t>
             </a:r>
           </a:p>
           <a:p>
@@ -3875,6 +4045,8 @@
                 <a:schemeClr val="dk1"/>
               </a:buClr>
               <a:buSzPts val="1100"/>
+              <a:buFont typeface="Arial"/>
+              <a:buNone/>
             </a:pPr>
             <a:r>
               <a:rPr lang="fr-FR" sz="1200" dirty="0">
@@ -3886,21 +4058,23 @@
                 <a:cs typeface="Open Sans"/>
                 <a:sym typeface="Open Sans"/>
               </a:rPr>
-              <a:t>Camille Mottier</a:t>
-            </a:r>
-          </a:p>
-          <a:p>
-            <a:pPr indent="457200">
-              <a:lnSpc>
-                <a:spcPct val="115000"/>
-              </a:lnSpc>
-              <a:spcBef>
-                <a:spcPts val="0"/>
-              </a:spcBef>
-              <a:buClr>
-                <a:schemeClr val="dk1"/>
-              </a:buClr>
-              <a:buSzPts val="1100"/>
+              <a:t>Maxime Galan</a:t>
+            </a:r>
+          </a:p>
+          <a:p>
+            <a:pPr marL="450000">
+              <a:lnSpc>
+                <a:spcPct val="115000"/>
+              </a:lnSpc>
+              <a:spcBef>
+                <a:spcPts val="0"/>
+              </a:spcBef>
+              <a:buClr>
+                <a:schemeClr val="dk1"/>
+              </a:buClr>
+              <a:buSzPts val="1100"/>
+              <a:buFont typeface="Arial"/>
+              <a:buNone/>
             </a:pPr>
             <a:r>
               <a:rPr lang="fr-FR" sz="1200" dirty="0">
@@ -3912,21 +4086,163 @@
                 <a:cs typeface="Open Sans"/>
                 <a:sym typeface="Open Sans"/>
               </a:rPr>
-              <a:t>Lucie Develay Nguyen</a:t>
-            </a:r>
-          </a:p>
-          <a:p>
-            <a:pPr indent="457200">
-              <a:lnSpc>
-                <a:spcPct val="115000"/>
-              </a:lnSpc>
-              <a:spcBef>
-                <a:spcPts val="0"/>
-              </a:spcBef>
-              <a:buClr>
-                <a:schemeClr val="dk1"/>
-              </a:buClr>
-              <a:buSzPts val="1100"/>
+              <a:t>Sylvain Piry</a:t>
+            </a:r>
+          </a:p>
+          <a:p>
+            <a:pPr marL="450000">
+              <a:lnSpc>
+                <a:spcPct val="115000"/>
+              </a:lnSpc>
+              <a:spcBef>
+                <a:spcPts val="0"/>
+              </a:spcBef>
+              <a:buClr>
+                <a:schemeClr val="dk1"/>
+              </a:buClr>
+              <a:buSzPts val="1100"/>
+              <a:buFont typeface="Arial"/>
+              <a:buNone/>
+            </a:pPr>
+            <a:r>
+              <a:rPr lang="fr-FR" sz="1200" dirty="0">
+                <a:solidFill>
+                  <a:schemeClr val="tx2"/>
+                </a:solidFill>
+                <a:latin typeface="Open Sans"/>
+                <a:ea typeface="Open Sans"/>
+                <a:cs typeface="Open Sans"/>
+                <a:sym typeface="Open Sans"/>
+              </a:rPr>
+              <a:t>Philippe Gauthier</a:t>
+            </a:r>
+          </a:p>
+          <a:p>
+            <a:pPr marL="450000">
+              <a:lnSpc>
+                <a:spcPct val="115000"/>
+              </a:lnSpc>
+              <a:spcBef>
+                <a:spcPts val="0"/>
+              </a:spcBef>
+              <a:buClr>
+                <a:schemeClr val="dk1"/>
+              </a:buClr>
+              <a:buSzPts val="1100"/>
+              <a:buFont typeface="Arial"/>
+              <a:buNone/>
+            </a:pPr>
+            <a:r>
+              <a:rPr lang="fr-FR" sz="1200" dirty="0">
+                <a:solidFill>
+                  <a:schemeClr val="tx2"/>
+                </a:solidFill>
+                <a:latin typeface="Open Sans"/>
+                <a:ea typeface="Open Sans"/>
+                <a:cs typeface="Open Sans"/>
+                <a:sym typeface="Open Sans"/>
+              </a:rPr>
+              <a:t>Emmanuelle Artige</a:t>
+            </a:r>
+          </a:p>
+          <a:p>
+            <a:pPr marL="450000">
+              <a:lnSpc>
+                <a:spcPct val="115000"/>
+              </a:lnSpc>
+              <a:spcBef>
+                <a:spcPts val="0"/>
+              </a:spcBef>
+              <a:buClr>
+                <a:schemeClr val="dk1"/>
+              </a:buClr>
+              <a:buSzPts val="1100"/>
+              <a:buFont typeface="Arial"/>
+              <a:buNone/>
+            </a:pPr>
+            <a:r>
+              <a:rPr lang="fr-FR" sz="1200" dirty="0">
+                <a:solidFill>
+                  <a:schemeClr val="tx2"/>
+                </a:solidFill>
+                <a:latin typeface="Open Sans"/>
+                <a:ea typeface="Open Sans"/>
+                <a:cs typeface="Open Sans"/>
+                <a:sym typeface="Open Sans"/>
+              </a:rPr>
+              <a:t>Anne Loiseau</a:t>
+            </a:r>
+          </a:p>
+          <a:p>
+            <a:pPr marL="450000">
+              <a:lnSpc>
+                <a:spcPct val="115000"/>
+              </a:lnSpc>
+              <a:spcBef>
+                <a:spcPts val="0"/>
+              </a:spcBef>
+              <a:buClr>
+                <a:schemeClr val="dk1"/>
+              </a:buClr>
+              <a:buSzPts val="1100"/>
+              <a:buFont typeface="Arial"/>
+              <a:buNone/>
+            </a:pPr>
+            <a:r>
+              <a:rPr lang="fr-FR" sz="1200" dirty="0">
+                <a:solidFill>
+                  <a:schemeClr val="tx2"/>
+                </a:solidFill>
+                <a:latin typeface="Open Sans"/>
+                <a:ea typeface="Open Sans"/>
+                <a:cs typeface="Open Sans"/>
+                <a:sym typeface="Open Sans"/>
+              </a:rPr>
+              <a:t>Caroline Tatard</a:t>
+            </a:r>
+          </a:p>
+          <a:p>
+            <a:pPr marL="450000">
+              <a:lnSpc>
+                <a:spcPct val="115000"/>
+              </a:lnSpc>
+              <a:spcBef>
+                <a:spcPts val="0"/>
+              </a:spcBef>
+              <a:buClr>
+                <a:schemeClr val="dk1"/>
+              </a:buClr>
+              <a:buSzPts val="1100"/>
+              <a:buFont typeface="Arial"/>
+              <a:buNone/>
+            </a:pPr>
+            <a:r>
+              <a:rPr lang="fr-FR" sz="1200" dirty="0">
+                <a:solidFill>
+                  <a:schemeClr val="tx2"/>
+                </a:solidFill>
+                <a:latin typeface="Open Sans"/>
+                <a:ea typeface="Open Sans"/>
+                <a:cs typeface="Open Sans"/>
+                <a:sym typeface="Open Sans"/>
+              </a:rPr>
+              <a:t>Julien Pradel</a:t>
+            </a:r>
+          </a:p>
+          <a:p>
+            <a:pPr marL="450000">
+              <a:lnSpc>
+                <a:spcPct val="115000"/>
+              </a:lnSpc>
+              <a:spcBef>
+                <a:spcPts val="0"/>
+              </a:spcBef>
+              <a:buClr>
+                <a:schemeClr val="dk1"/>
+              </a:buClr>
+              <a:buSzPts val="1100"/>
+              <a:buFont typeface="Arial"/>
+              <a:buNone/>
             </a:pPr>
             <a:endParaRPr lang="fr-FR" sz="1200" dirty="0">
               <a:solidFill>
@@ -3939,7 +4255,63 @@
             </a:endParaRPr>
           </a:p>
           <a:p>
-            <a:pPr indent="457200">
+            <a:pPr>
+              <a:lnSpc>
+                <a:spcPct val="115000"/>
+              </a:lnSpc>
+              <a:spcBef>
+                <a:spcPts val="0"/>
+              </a:spcBef>
+              <a:buClr>
+                <a:schemeClr val="dk1"/>
+              </a:buClr>
+              <a:buSzPts val="1100"/>
+              <a:buFont typeface="Arial"/>
+              <a:buNone/>
+            </a:pPr>
+            <a:r>
+              <a:rPr lang="fr-FR" sz="1200" i="1" dirty="0">
+                <a:solidFill>
+                  <a:schemeClr val="tx2"/>
+                </a:solidFill>
+                <a:latin typeface="Open Sans"/>
+                <a:ea typeface="Open Sans"/>
+                <a:cs typeface="Open Sans"/>
+                <a:sym typeface="Open Sans"/>
+              </a:rPr>
+              <a:t>UMR MIVEGEC</a:t>
+            </a:r>
+          </a:p>
+          <a:p>
+            <a:pPr marL="498475" indent="-53975">
+              <a:lnSpc>
+                <a:spcPct val="115000"/>
+              </a:lnSpc>
+              <a:spcBef>
+                <a:spcPts val="0"/>
+              </a:spcBef>
+              <a:buClr>
+                <a:schemeClr val="dk1"/>
+              </a:buClr>
+              <a:buSzPts val="1100"/>
+              <a:buFont typeface="Arial"/>
+              <a:buNone/>
+            </a:pPr>
+            <a:r>
+              <a:rPr lang="fr-FR" sz="1200" dirty="0">
+                <a:solidFill>
+                  <a:schemeClr val="tx2"/>
+                </a:solidFill>
+                <a:latin typeface="Open Sans"/>
+                <a:ea typeface="Open Sans"/>
+                <a:cs typeface="Open Sans"/>
+                <a:sym typeface="Open Sans"/>
+              </a:rPr>
+              <a:t>Julio Benavides</a:t>
+            </a:r>
+          </a:p>
+          <a:p>
+            <a:pPr marL="498475" indent="-53975">
               <a:lnSpc>
                 <a:spcPct val="115000"/>
               </a:lnSpc>
@@ -3964,7 +4336,7 @@
             </a:endParaRPr>
           </a:p>
           <a:p>
-            <a:pPr>
+            <a:pPr marL="498475" indent="-53975">
               <a:lnSpc>
                 <a:spcPct val="115000"/>
               </a:lnSpc>
@@ -3978,142 +4350,6 @@
               <a:buFont typeface="Arial"/>
               <a:buNone/>
             </a:pPr>
-            <a:r>
-              <a:rPr lang="fr-FR" sz="1200" i="1" dirty="0">
-                <a:solidFill>
-                  <a:schemeClr val="tx2"/>
-                </a:solidFill>
-                <a:latin typeface="Open Sans"/>
-                <a:ea typeface="Open Sans"/>
-                <a:cs typeface="Open Sans"/>
-                <a:sym typeface="Open Sans"/>
-              </a:rPr>
-              <a:t>UMR CBGP</a:t>
-            </a:r>
-          </a:p>
-          <a:p>
-            <a:pPr marL="498475" indent="-53975">
-              <a:lnSpc>
-                <a:spcPct val="115000"/>
-              </a:lnSpc>
-              <a:spcBef>
-                <a:spcPts val="0"/>
-              </a:spcBef>
-              <a:buClr>
-                <a:schemeClr val="dk1"/>
-              </a:buClr>
-              <a:buSzPts val="1100"/>
-              <a:buFont typeface="Arial"/>
-              <a:buNone/>
-            </a:pPr>
-            <a:r>
-              <a:rPr lang="fr-FR" sz="1200" dirty="0">
-                <a:solidFill>
-                  <a:schemeClr val="tx2"/>
-                </a:solidFill>
-                <a:latin typeface="Open Sans"/>
-                <a:ea typeface="Open Sans"/>
-                <a:cs typeface="Open Sans"/>
-                <a:sym typeface="Open Sans"/>
-              </a:rPr>
-              <a:t>Nathalie Charbonnel</a:t>
-            </a:r>
-          </a:p>
-          <a:p>
-            <a:pPr marL="498475" indent="-53975">
-              <a:lnSpc>
-                <a:spcPct val="115000"/>
-              </a:lnSpc>
-              <a:spcBef>
-                <a:spcPts val="0"/>
-              </a:spcBef>
-              <a:buClr>
-                <a:schemeClr val="dk1"/>
-              </a:buClr>
-              <a:buSzPts val="1100"/>
-              <a:buFont typeface="Arial"/>
-              <a:buNone/>
-            </a:pPr>
-            <a:r>
-              <a:rPr lang="fr-FR" sz="1200" dirty="0">
-                <a:solidFill>
-                  <a:schemeClr val="tx2"/>
-                </a:solidFill>
-                <a:latin typeface="Open Sans"/>
-                <a:ea typeface="Open Sans"/>
-                <a:cs typeface="Open Sans"/>
-                <a:sym typeface="Open Sans"/>
-              </a:rPr>
-              <a:t>Guillaume Castel</a:t>
-            </a:r>
-          </a:p>
-          <a:p>
-            <a:pPr marL="498475" indent="-53975">
-              <a:lnSpc>
-                <a:spcPct val="115000"/>
-              </a:lnSpc>
-              <a:spcBef>
-                <a:spcPts val="0"/>
-              </a:spcBef>
-              <a:buClr>
-                <a:schemeClr val="dk1"/>
-              </a:buClr>
-              <a:buSzPts val="1100"/>
-              <a:buFont typeface="Arial"/>
-              <a:buNone/>
-            </a:pPr>
-            <a:r>
-              <a:rPr lang="fr-FR" sz="1200" dirty="0">
-                <a:solidFill>
-                  <a:schemeClr val="tx2"/>
-                </a:solidFill>
-                <a:latin typeface="Open Sans"/>
-                <a:ea typeface="Open Sans"/>
-                <a:cs typeface="Open Sans"/>
-                <a:sym typeface="Open Sans"/>
-              </a:rPr>
-              <a:t>Karine Berthier</a:t>
-            </a:r>
-          </a:p>
-          <a:p>
-            <a:pPr indent="457200">
-              <a:lnSpc>
-                <a:spcPct val="115000"/>
-              </a:lnSpc>
-              <a:spcBef>
-                <a:spcPts val="0"/>
-              </a:spcBef>
-              <a:buClr>
-                <a:schemeClr val="dk1"/>
-              </a:buClr>
-              <a:buSzPts val="1100"/>
-              <a:buFont typeface="Arial"/>
-              <a:buNone/>
-            </a:pPr>
-            <a:r>
-              <a:rPr lang="fr-FR" sz="1200" dirty="0">
-                <a:solidFill>
-                  <a:schemeClr val="tx2"/>
-                </a:solidFill>
-                <a:latin typeface="Open Sans"/>
-                <a:ea typeface="Open Sans"/>
-                <a:cs typeface="Open Sans"/>
-                <a:sym typeface="Open Sans"/>
-              </a:rPr>
-              <a:t>Maxime </a:t>
-            </a:r>
-            <a:r>
-              <a:rPr lang="fr-FR" sz="1200" dirty="0" err="1">
-                <a:solidFill>
-                  <a:schemeClr val="tx2"/>
-                </a:solidFill>
-                <a:latin typeface="Open Sans"/>
-                <a:ea typeface="Open Sans"/>
-                <a:cs typeface="Open Sans"/>
-                <a:sym typeface="Open Sans"/>
-              </a:rPr>
-              <a:t>Galan</a:t>
-            </a:r>
             <a:endParaRPr lang="fr-FR" sz="1200" dirty="0">
               <a:solidFill>
                 <a:schemeClr val="tx2"/>
@@ -4125,7 +4361,7 @@
             </a:endParaRPr>
           </a:p>
           <a:p>
-            <a:pPr marL="450000">
+            <a:pPr>
               <a:lnSpc>
                 <a:spcPct val="115000"/>
               </a:lnSpc>
@@ -4140,7 +4376,7 @@
               <a:buNone/>
             </a:pPr>
             <a:r>
-              <a:rPr lang="fr-FR" sz="1200" dirty="0">
+              <a:rPr lang="fr-FR" sz="1200" i="1" dirty="0">
                 <a:solidFill>
                   <a:schemeClr val="tx2"/>
                 </a:solidFill>
@@ -4149,10 +4385,26 @@
                 <a:cs typeface="Open Sans"/>
                 <a:sym typeface="Open Sans"/>
               </a:rPr>
-              <a:t>Sylvain </a:t>
-            </a:r>
-            <a:r>
-              <a:rPr lang="fr-FR" sz="1200" dirty="0" err="1">
+              <a:t>Institut ExposUM</a:t>
+            </a:r>
+          </a:p>
+          <a:p>
+            <a:pPr marL="498475" indent="-53975">
+              <a:lnSpc>
+                <a:spcPct val="115000"/>
+              </a:lnSpc>
+              <a:spcBef>
+                <a:spcPts val="0"/>
+              </a:spcBef>
+              <a:buClr>
+                <a:schemeClr val="dk1"/>
+              </a:buClr>
+              <a:buSzPts val="1100"/>
+              <a:buFont typeface="Arial"/>
+              <a:buNone/>
+            </a:pPr>
+            <a:r>
+              <a:rPr lang="fr-FR" sz="1200" dirty="0">
                 <a:solidFill>
                   <a:schemeClr val="tx2"/>
                 </a:solidFill>
@@ -4161,8 +4413,24 @@
                 <a:cs typeface="Open Sans"/>
                 <a:sym typeface="Open Sans"/>
               </a:rPr>
-              <a:t>Piry</a:t>
-            </a:r>
+              <a:t>Mariline Poupaud</a:t>
+            </a:r>
+          </a:p>
+          <a:p>
+            <a:pPr marL="498475" indent="-53975">
+              <a:lnSpc>
+                <a:spcPct val="115000"/>
+              </a:lnSpc>
+              <a:spcBef>
+                <a:spcPts val="0"/>
+              </a:spcBef>
+              <a:buClr>
+                <a:schemeClr val="dk1"/>
+              </a:buClr>
+              <a:buSzPts val="1100"/>
+              <a:buFont typeface="Arial"/>
+              <a:buNone/>
+            </a:pPr>
             <a:endParaRPr lang="fr-FR" sz="1200" dirty="0">
               <a:solidFill>
                 <a:schemeClr val="tx2"/>
@@ -4174,7 +4442,7 @@
             </a:endParaRPr>
           </a:p>
           <a:p>
-            <a:pPr marL="450000">
+            <a:pPr marL="498475" indent="-53975">
               <a:lnSpc>
                 <a:spcPct val="115000"/>
               </a:lnSpc>
@@ -4188,265 +4456,6 @@
               <a:buFont typeface="Arial"/>
               <a:buNone/>
             </a:pPr>
-            <a:r>
-              <a:rPr lang="fr-FR" sz="1200" dirty="0">
-                <a:solidFill>
-                  <a:schemeClr val="tx2"/>
-                </a:solidFill>
-                <a:latin typeface="Open Sans"/>
-                <a:ea typeface="Open Sans"/>
-                <a:cs typeface="Open Sans"/>
-                <a:sym typeface="Open Sans"/>
-              </a:rPr>
-              <a:t>Philippe Gauthier</a:t>
-            </a:r>
-          </a:p>
-          <a:p>
-            <a:pPr marL="450000">
-              <a:lnSpc>
-                <a:spcPct val="115000"/>
-              </a:lnSpc>
-              <a:spcBef>
-                <a:spcPts val="0"/>
-              </a:spcBef>
-              <a:buClr>
-                <a:schemeClr val="dk1"/>
-              </a:buClr>
-              <a:buSzPts val="1100"/>
-              <a:buFont typeface="Arial"/>
-              <a:buNone/>
-            </a:pPr>
-            <a:r>
-              <a:rPr lang="fr-FR" sz="1200" dirty="0">
-                <a:solidFill>
-                  <a:schemeClr val="tx2"/>
-                </a:solidFill>
-                <a:latin typeface="Open Sans"/>
-                <a:ea typeface="Open Sans"/>
-                <a:cs typeface="Open Sans"/>
-                <a:sym typeface="Open Sans"/>
-              </a:rPr>
-              <a:t>Emmanuelle </a:t>
-            </a:r>
-            <a:r>
-              <a:rPr lang="fr-FR" sz="1200" dirty="0" err="1">
-                <a:solidFill>
-                  <a:schemeClr val="tx2"/>
-                </a:solidFill>
-                <a:latin typeface="Open Sans"/>
-                <a:ea typeface="Open Sans"/>
-                <a:cs typeface="Open Sans"/>
-                <a:sym typeface="Open Sans"/>
-              </a:rPr>
-              <a:t>Artige</a:t>
-            </a:r>
-            <a:endParaRPr lang="fr-FR" sz="1200" dirty="0">
-              <a:solidFill>
-                <a:schemeClr val="tx2"/>
-              </a:solidFill>
-              <a:latin typeface="Open Sans"/>
-              <a:ea typeface="Open Sans"/>
-              <a:cs typeface="Open Sans"/>
-              <a:sym typeface="Open Sans"/>
-            </a:endParaRPr>
-          </a:p>
-          <a:p>
-            <a:pPr marL="450000">
-              <a:lnSpc>
-                <a:spcPct val="115000"/>
-              </a:lnSpc>
-              <a:spcBef>
-                <a:spcPts val="0"/>
-              </a:spcBef>
-              <a:buClr>
-                <a:schemeClr val="dk1"/>
-              </a:buClr>
-              <a:buSzPts val="1100"/>
-              <a:buFont typeface="Arial"/>
-              <a:buNone/>
-            </a:pPr>
-            <a:r>
-              <a:rPr lang="fr-FR" sz="1200" dirty="0">
-                <a:solidFill>
-                  <a:schemeClr val="tx2"/>
-                </a:solidFill>
-                <a:latin typeface="Open Sans"/>
-                <a:ea typeface="Open Sans"/>
-                <a:cs typeface="Open Sans"/>
-                <a:sym typeface="Open Sans"/>
-              </a:rPr>
-              <a:t>Anne Loiseau</a:t>
-            </a:r>
-          </a:p>
-          <a:p>
-            <a:pPr marL="450000">
-              <a:lnSpc>
-                <a:spcPct val="115000"/>
-              </a:lnSpc>
-              <a:spcBef>
-                <a:spcPts val="0"/>
-              </a:spcBef>
-              <a:buClr>
-                <a:schemeClr val="dk1"/>
-              </a:buClr>
-              <a:buSzPts val="1100"/>
-              <a:buFont typeface="Arial"/>
-              <a:buNone/>
-            </a:pPr>
-            <a:r>
-              <a:rPr lang="fr-FR" sz="1200" dirty="0">
-                <a:solidFill>
-                  <a:schemeClr val="tx2"/>
-                </a:solidFill>
-                <a:latin typeface="Open Sans"/>
-                <a:ea typeface="Open Sans"/>
-                <a:cs typeface="Open Sans"/>
-                <a:sym typeface="Open Sans"/>
-              </a:rPr>
-              <a:t>Caroline </a:t>
-            </a:r>
-            <a:r>
-              <a:rPr lang="fr-FR" sz="1200" dirty="0" err="1">
-                <a:solidFill>
-                  <a:schemeClr val="tx2"/>
-                </a:solidFill>
-                <a:latin typeface="Open Sans"/>
-                <a:ea typeface="Open Sans"/>
-                <a:cs typeface="Open Sans"/>
-                <a:sym typeface="Open Sans"/>
-              </a:rPr>
-              <a:t>Tatard</a:t>
-            </a:r>
-            <a:endParaRPr lang="fr-FR" sz="1200" dirty="0">
-              <a:solidFill>
-                <a:schemeClr val="tx2"/>
-              </a:solidFill>
-              <a:latin typeface="Open Sans"/>
-              <a:ea typeface="Open Sans"/>
-              <a:cs typeface="Open Sans"/>
-              <a:sym typeface="Open Sans"/>
-            </a:endParaRPr>
-          </a:p>
-          <a:p>
-            <a:pPr marL="450000">
-              <a:lnSpc>
-                <a:spcPct val="115000"/>
-              </a:lnSpc>
-              <a:spcBef>
-                <a:spcPts val="0"/>
-              </a:spcBef>
-              <a:buClr>
-                <a:schemeClr val="dk1"/>
-              </a:buClr>
-              <a:buSzPts val="1100"/>
-              <a:buFont typeface="Arial"/>
-              <a:buNone/>
-            </a:pPr>
-            <a:r>
-              <a:rPr lang="fr-FR" sz="1200" dirty="0">
-                <a:solidFill>
-                  <a:schemeClr val="tx2"/>
-                </a:solidFill>
-                <a:latin typeface="Open Sans"/>
-                <a:ea typeface="Open Sans"/>
-                <a:cs typeface="Open Sans"/>
-                <a:sym typeface="Open Sans"/>
-              </a:rPr>
-              <a:t>Julien Pradel</a:t>
-            </a:r>
-          </a:p>
-          <a:p>
-            <a:pPr marL="450000">
-              <a:lnSpc>
-                <a:spcPct val="115000"/>
-              </a:lnSpc>
-              <a:spcBef>
-                <a:spcPts val="0"/>
-              </a:spcBef>
-              <a:buClr>
-                <a:schemeClr val="dk1"/>
-              </a:buClr>
-              <a:buSzPts val="1100"/>
-              <a:buFont typeface="Arial"/>
-              <a:buNone/>
-            </a:pPr>
-            <a:endParaRPr lang="fr-FR" sz="1200" dirty="0">
-              <a:solidFill>
-                <a:schemeClr val="tx2"/>
-              </a:solidFill>
-              <a:latin typeface="Open Sans"/>
-              <a:ea typeface="Open Sans"/>
-              <a:cs typeface="Open Sans"/>
-              <a:sym typeface="Open Sans"/>
-            </a:endParaRPr>
-          </a:p>
-          <a:p>
-            <a:pPr>
-              <a:lnSpc>
-                <a:spcPct val="115000"/>
-              </a:lnSpc>
-              <a:spcBef>
-                <a:spcPts val="0"/>
-              </a:spcBef>
-              <a:buClr>
-                <a:schemeClr val="dk1"/>
-              </a:buClr>
-              <a:buSzPts val="1100"/>
-              <a:buFont typeface="Arial"/>
-              <a:buNone/>
-            </a:pPr>
-            <a:r>
-              <a:rPr lang="fr-FR" sz="1200" i="1" dirty="0">
-                <a:solidFill>
-                  <a:schemeClr val="tx2"/>
-                </a:solidFill>
-                <a:latin typeface="Open Sans"/>
-                <a:ea typeface="Open Sans"/>
-                <a:cs typeface="Open Sans"/>
-                <a:sym typeface="Open Sans"/>
-              </a:rPr>
-              <a:t>UMR MIVEGEC</a:t>
-            </a:r>
-          </a:p>
-          <a:p>
-            <a:pPr marL="498475" indent="-53975">
-              <a:lnSpc>
-                <a:spcPct val="115000"/>
-              </a:lnSpc>
-              <a:spcBef>
-                <a:spcPts val="0"/>
-              </a:spcBef>
-              <a:buClr>
-                <a:schemeClr val="dk1"/>
-              </a:buClr>
-              <a:buSzPts val="1100"/>
-              <a:buFont typeface="Arial"/>
-              <a:buNone/>
-            </a:pPr>
-            <a:r>
-              <a:rPr lang="fr-FR" sz="1200" dirty="0">
-                <a:solidFill>
-                  <a:schemeClr val="tx2"/>
-                </a:solidFill>
-                <a:latin typeface="Open Sans"/>
-                <a:ea typeface="Open Sans"/>
-                <a:cs typeface="Open Sans"/>
-                <a:sym typeface="Open Sans"/>
-              </a:rPr>
-              <a:t>Julio </a:t>
-            </a:r>
-            <a:r>
-              <a:rPr lang="fr-FR" sz="1200" dirty="0" err="1">
-                <a:solidFill>
-                  <a:schemeClr val="tx2"/>
-                </a:solidFill>
-                <a:latin typeface="Open Sans"/>
-                <a:ea typeface="Open Sans"/>
-                <a:cs typeface="Open Sans"/>
-                <a:sym typeface="Open Sans"/>
-              </a:rPr>
-              <a:t>Benavides</a:t>
-            </a:r>
             <a:endParaRPr lang="fr-FR" sz="1200" dirty="0">
               <a:solidFill>
                 <a:schemeClr val="tx2"/>
@@ -4807,10 +4816,24 @@
                 <a:cs typeface="Open Sans"/>
                 <a:sym typeface="Open Sans"/>
               </a:rPr>
-              <a:t>	Yann </a:t>
-            </a:r>
-            <a:r>
-              <a:rPr lang="fr-FR" sz="1200" dirty="0" err="1">
+              <a:t>	Yann Raulet, Direction Nature, Agroécologie et Paysage</a:t>
+            </a:r>
+          </a:p>
+          <a:p>
+            <a:pPr>
+              <a:lnSpc>
+                <a:spcPct val="115000"/>
+              </a:lnSpc>
+              <a:spcBef>
+                <a:spcPts val="0"/>
+              </a:spcBef>
+              <a:buClr>
+                <a:schemeClr val="dk1"/>
+              </a:buClr>
+              <a:buSzPts val="1100"/>
+            </a:pPr>
+            <a:r>
+              <a:rPr lang="fr-FR" sz="1200" dirty="0">
                 <a:solidFill>
                   <a:schemeClr val="tx2"/>
                 </a:solidFill>
@@ -4819,69 +4842,7 @@
                 <a:cs typeface="Open Sans"/>
                 <a:sym typeface="Open Sans"/>
               </a:rPr>
-              <a:t>Raulet</a:t>
-            </a:r>
-            <a:r>
-              <a:rPr lang="fr-FR" sz="1200" dirty="0">
-                <a:solidFill>
-                  <a:schemeClr val="tx2"/>
-                </a:solidFill>
-                <a:latin typeface="Open Sans"/>
-                <a:ea typeface="Open Sans"/>
-                <a:cs typeface="Open Sans"/>
-                <a:sym typeface="Open Sans"/>
-              </a:rPr>
-              <a:t>, Direction Nature, Agroécologie et Paysage</a:t>
-            </a:r>
-          </a:p>
-          <a:p>
-            <a:pPr>
-              <a:lnSpc>
-                <a:spcPct val="115000"/>
-              </a:lnSpc>
-              <a:spcBef>
-                <a:spcPts val="0"/>
-              </a:spcBef>
-              <a:buClr>
-                <a:schemeClr val="dk1"/>
-              </a:buClr>
-              <a:buSzPts val="1100"/>
-            </a:pPr>
-            <a:r>
-              <a:rPr lang="fr-FR" sz="1200" dirty="0">
-                <a:solidFill>
-                  <a:schemeClr val="tx2"/>
-                </a:solidFill>
-                <a:latin typeface="Open Sans"/>
-                <a:ea typeface="Open Sans"/>
-                <a:cs typeface="Open Sans"/>
-                <a:sym typeface="Open Sans"/>
-              </a:rPr>
-              <a:t>	David </a:t>
-            </a:r>
-            <a:r>
-              <a:rPr lang="fr-FR" sz="1200" dirty="0" err="1">
-                <a:solidFill>
-                  <a:schemeClr val="tx2"/>
-                </a:solidFill>
-                <a:latin typeface="Open Sans"/>
-                <a:ea typeface="Open Sans"/>
-                <a:cs typeface="Open Sans"/>
-                <a:sym typeface="Open Sans"/>
-              </a:rPr>
-              <a:t>Gomis</a:t>
-            </a:r>
-            <a:r>
-              <a:rPr lang="fr-FR" sz="1200" dirty="0">
-                <a:solidFill>
-                  <a:schemeClr val="tx2"/>
-                </a:solidFill>
-                <a:latin typeface="Open Sans"/>
-                <a:ea typeface="Open Sans"/>
-                <a:cs typeface="Open Sans"/>
-                <a:sym typeface="Open Sans"/>
-              </a:rPr>
-              <a:t>, Pôle Biodiversité Paysages Agroécologie et Alimentation</a:t>
+              <a:t>	David Gomis, Pôle Biodiversité Paysages Agroécologie et Alimentation</a:t>
             </a:r>
           </a:p>
           <a:p>
@@ -5008,20 +4969,22 @@
                 <a:cs typeface="Open Sans"/>
                 <a:sym typeface="Open Sans"/>
               </a:rPr>
-              <a:t>	Max </a:t>
-            </a:r>
-            <a:r>
-              <a:rPr lang="fr-FR" sz="1200" dirty="0" err="1">
-                <a:solidFill>
-                  <a:schemeClr val="tx2"/>
-                </a:solidFill>
-                <a:latin typeface="Open Sans"/>
-                <a:ea typeface="Open Sans"/>
-                <a:cs typeface="Open Sans"/>
-                <a:sym typeface="Open Sans"/>
-              </a:rPr>
-              <a:t>Lecouturier</a:t>
-            </a:r>
+              <a:t>	Max Lecouturier</a:t>
+            </a:r>
+          </a:p>
+          <a:p>
+            <a:pPr>
+              <a:lnSpc>
+                <a:spcPct val="115000"/>
+              </a:lnSpc>
+              <a:spcBef>
+                <a:spcPts val="0"/>
+              </a:spcBef>
+              <a:buClr>
+                <a:schemeClr val="dk1"/>
+              </a:buClr>
+              <a:buSzPts val="1100"/>
+            </a:pPr>
             <a:endParaRPr lang="fr-FR" sz="1200" dirty="0">
               <a:solidFill>
                 <a:schemeClr val="tx2"/>
@@ -5045,6 +5008,58 @@
               </a:buClr>
               <a:buSzPts val="1100"/>
             </a:pPr>
+            <a:r>
+              <a:rPr lang="fr-FR" sz="1200" i="1" dirty="0">
+                <a:solidFill>
+                  <a:schemeClr val="tx2"/>
+                </a:solidFill>
+                <a:latin typeface="Open Sans"/>
+                <a:ea typeface="Open Sans"/>
+                <a:cs typeface="Open Sans"/>
+                <a:sym typeface="Open Sans"/>
+              </a:rPr>
+              <a:t>EPTB du Lez</a:t>
+            </a:r>
+          </a:p>
+          <a:p>
+            <a:pPr>
+              <a:lnSpc>
+                <a:spcPct val="115000"/>
+              </a:lnSpc>
+              <a:spcBef>
+                <a:spcPts val="0"/>
+              </a:spcBef>
+              <a:buClr>
+                <a:schemeClr val="dk1"/>
+              </a:buClr>
+              <a:buSzPts val="1100"/>
+            </a:pPr>
+            <a:r>
+              <a:rPr lang="fr-FR" sz="1200" dirty="0">
+                <a:solidFill>
+                  <a:schemeClr val="tx2"/>
+                </a:solidFill>
+                <a:latin typeface="Open Sans"/>
+                <a:ea typeface="Open Sans"/>
+                <a:cs typeface="Open Sans"/>
+                <a:sym typeface="Open Sans"/>
+              </a:rPr>
+              <a:t>	Vincent Sablain</a:t>
+            </a:r>
+          </a:p>
+          <a:p>
+            <a:pPr>
+              <a:lnSpc>
+                <a:spcPct val="115000"/>
+              </a:lnSpc>
+              <a:spcBef>
+                <a:spcPts val="0"/>
+              </a:spcBef>
+              <a:buClr>
+                <a:schemeClr val="dk1"/>
+              </a:buClr>
+              <a:buSzPts val="1100"/>
+            </a:pPr>
             <a:endParaRPr lang="fr-FR" sz="1200" dirty="0">
               <a:solidFill>
                 <a:schemeClr val="tx2"/>
@@ -5078,7 +5093,7 @@
                 <a:cs typeface="Open Sans"/>
                 <a:sym typeface="Open Sans"/>
               </a:rPr>
-              <a:t>EPTB du Lez</a:t>
+              <a:t>EPTB de l'Or</a:t>
             </a:r>
           </a:p>
           <a:p>
@@ -5104,10 +5119,24 @@
                 <a:cs typeface="Open Sans"/>
                 <a:sym typeface="Open Sans"/>
               </a:rPr>
-              <a:t>	Vincent </a:t>
-            </a:r>
-            <a:r>
-              <a:rPr lang="fr-FR" sz="1200" dirty="0" err="1">
+              <a:t>	Sarah Pontet </a:t>
+            </a:r>
+          </a:p>
+          <a:p>
+            <a:pPr indent="457200">
+              <a:lnSpc>
+                <a:spcPct val="115000"/>
+              </a:lnSpc>
+              <a:spcBef>
+                <a:spcPts val="0"/>
+              </a:spcBef>
+              <a:buClr>
+                <a:schemeClr val="dk1"/>
+              </a:buClr>
+              <a:buSzPts val="1100"/>
+            </a:pPr>
+            <a:r>
+              <a:rPr lang="fr-FR" sz="1200" dirty="0">
                 <a:solidFill>
                   <a:schemeClr val="tx2"/>
                 </a:solidFill>
@@ -5116,8 +5145,22 @@
                 <a:cs typeface="Open Sans"/>
                 <a:sym typeface="Open Sans"/>
               </a:rPr>
-              <a:t>Sablain</a:t>
-            </a:r>
+              <a:t>	Nathalie Vazzoler</a:t>
+            </a:r>
+          </a:p>
+          <a:p>
+            <a:pPr>
+              <a:lnSpc>
+                <a:spcPct val="115000"/>
+              </a:lnSpc>
+              <a:spcBef>
+                <a:spcPts val="0"/>
+              </a:spcBef>
+              <a:buClr>
+                <a:schemeClr val="dk1"/>
+              </a:buClr>
+              <a:buSzPts val="1100"/>
+            </a:pPr>
             <a:endParaRPr lang="fr-FR" sz="1200" dirty="0">
               <a:solidFill>
                 <a:schemeClr val="tx2"/>
@@ -5141,6 +5184,84 @@
               </a:buClr>
               <a:buSzPts val="1100"/>
             </a:pPr>
+            <a:r>
+              <a:rPr lang="fr-FR" sz="1200" i="1" dirty="0">
+                <a:solidFill>
+                  <a:schemeClr val="tx2"/>
+                </a:solidFill>
+                <a:latin typeface="Open Sans"/>
+                <a:ea typeface="Open Sans"/>
+                <a:cs typeface="Open Sans"/>
+                <a:sym typeface="Open Sans"/>
+              </a:rPr>
+              <a:t>CEN Occitanie - Espèces Exotiques Envahissantes</a:t>
+            </a:r>
+          </a:p>
+          <a:p>
+            <a:pPr>
+              <a:lnSpc>
+                <a:spcPct val="115000"/>
+              </a:lnSpc>
+              <a:spcBef>
+                <a:spcPts val="0"/>
+              </a:spcBef>
+              <a:buClr>
+                <a:schemeClr val="dk1"/>
+              </a:buClr>
+              <a:buSzPts val="1100"/>
+            </a:pPr>
+            <a:r>
+              <a:rPr lang="fr-FR" sz="1200" dirty="0">
+                <a:solidFill>
+                  <a:schemeClr val="tx2"/>
+                </a:solidFill>
+                <a:latin typeface="Open Sans"/>
+                <a:ea typeface="Open Sans"/>
+                <a:cs typeface="Open Sans"/>
+                <a:sym typeface="Open Sans"/>
+              </a:rPr>
+              <a:t>	Iris Lang</a:t>
+            </a:r>
+          </a:p>
+          <a:p>
+            <a:pPr>
+              <a:lnSpc>
+                <a:spcPct val="115000"/>
+              </a:lnSpc>
+              <a:spcBef>
+                <a:spcPts val="0"/>
+              </a:spcBef>
+              <a:buClr>
+                <a:schemeClr val="dk1"/>
+              </a:buClr>
+              <a:buSzPts val="1100"/>
+            </a:pPr>
+            <a:r>
+              <a:rPr lang="fr-FR" sz="1200" dirty="0">
+                <a:solidFill>
+                  <a:schemeClr val="tx2"/>
+                </a:solidFill>
+                <a:latin typeface="Open Sans"/>
+                <a:ea typeface="Open Sans"/>
+                <a:cs typeface="Open Sans"/>
+                <a:sym typeface="Open Sans"/>
+              </a:rPr>
+              <a:t>	Justine Nicolas</a:t>
+            </a:r>
+          </a:p>
+          <a:p>
+            <a:pPr>
+              <a:lnSpc>
+                <a:spcPct val="115000"/>
+              </a:lnSpc>
+              <a:spcBef>
+                <a:spcPts val="0"/>
+              </a:spcBef>
+              <a:buClr>
+                <a:schemeClr val="dk1"/>
+              </a:buClr>
+              <a:buSzPts val="1100"/>
+            </a:pPr>
             <a:endParaRPr lang="fr-FR" sz="1200" dirty="0">
               <a:solidFill>
                 <a:schemeClr val="tx2"/>
@@ -5174,7 +5295,7 @@
                 <a:cs typeface="Open Sans"/>
                 <a:sym typeface="Open Sans"/>
               </a:rPr>
-              <a:t>EPTB de l'Or</a:t>
+              <a:t>FDC Hérault</a:t>
             </a:r>
           </a:p>
           <a:p>
@@ -5200,46 +5321,22 @@
                 <a:cs typeface="Open Sans"/>
                 <a:sym typeface="Open Sans"/>
               </a:rPr>
-              <a:t>	Sarah Pontet </a:t>
-            </a:r>
-          </a:p>
-          <a:p>
-            <a:pPr indent="457200">
-              <a:lnSpc>
-                <a:spcPct val="115000"/>
-              </a:lnSpc>
-              <a:spcBef>
-                <a:spcPts val="0"/>
-              </a:spcBef>
-              <a:buClr>
-                <a:schemeClr val="dk1"/>
-              </a:buClr>
-              <a:buSzPts val="1100"/>
-            </a:pPr>
-            <a:r>
-              <a:rPr lang="fr-FR" sz="1200" dirty="0">
-                <a:solidFill>
-                  <a:schemeClr val="tx2"/>
-                </a:solidFill>
-                <a:latin typeface="Open Sans"/>
-                <a:ea typeface="Open Sans"/>
-                <a:cs typeface="Open Sans"/>
-                <a:sym typeface="Open Sans"/>
-              </a:rPr>
-              <a:t>	Nathalie </a:t>
-            </a:r>
-            <a:r>
-              <a:rPr lang="fr-FR" sz="1200" dirty="0" err="1">
-                <a:solidFill>
-                  <a:schemeClr val="tx2"/>
-                </a:solidFill>
-                <a:latin typeface="Open Sans"/>
-                <a:ea typeface="Open Sans"/>
-                <a:cs typeface="Open Sans"/>
-                <a:sym typeface="Open Sans"/>
-              </a:rPr>
-              <a:t>Vazzoler</a:t>
-            </a:r>
+              <a:t>	Tanguy Lebrun</a:t>
+            </a:r>
+          </a:p>
+          <a:p>
+            <a:pPr>
+              <a:lnSpc>
+                <a:spcPct val="115000"/>
+              </a:lnSpc>
+              <a:spcBef>
+                <a:spcPts val="0"/>
+              </a:spcBef>
+              <a:buClr>
+                <a:schemeClr val="dk1"/>
+              </a:buClr>
+              <a:buSzPts val="1100"/>
+            </a:pPr>
             <a:endParaRPr lang="fr-FR" sz="1200" dirty="0">
               <a:solidFill>
                 <a:schemeClr val="tx2"/>
@@ -5263,205 +5360,6 @@
               </a:buClr>
               <a:buSzPts val="1100"/>
             </a:pPr>
-            <a:endParaRPr lang="fr-FR" sz="1200" dirty="0">
-              <a:solidFill>
-                <a:schemeClr val="tx2"/>
-              </a:solidFill>
-              <a:latin typeface="Open Sans"/>
-              <a:ea typeface="Open Sans"/>
-              <a:cs typeface="Open Sans"/>
-              <a:sym typeface="Open Sans"/>
-            </a:endParaRPr>
-          </a:p>
-          <a:p>
-            <a:pPr>
-              <a:lnSpc>
-                <a:spcPct val="115000"/>
-              </a:lnSpc>
-              <a:spcBef>
-                <a:spcPts val="0"/>
-              </a:spcBef>
-              <a:buClr>
-                <a:schemeClr val="dk1"/>
-              </a:buClr>
-              <a:buSzPts val="1100"/>
-            </a:pPr>
-            <a:r>
-              <a:rPr lang="fr-FR" sz="1200" i="1" dirty="0">
-                <a:solidFill>
-                  <a:schemeClr val="tx2"/>
-                </a:solidFill>
-                <a:latin typeface="Open Sans"/>
-                <a:ea typeface="Open Sans"/>
-                <a:cs typeface="Open Sans"/>
-                <a:sym typeface="Open Sans"/>
-              </a:rPr>
-              <a:t>CEN Occitanie - Espèces Exotiques Envahissantes</a:t>
-            </a:r>
-          </a:p>
-          <a:p>
-            <a:pPr>
-              <a:lnSpc>
-                <a:spcPct val="115000"/>
-              </a:lnSpc>
-              <a:spcBef>
-                <a:spcPts val="0"/>
-              </a:spcBef>
-              <a:buClr>
-                <a:schemeClr val="dk1"/>
-              </a:buClr>
-              <a:buSzPts val="1100"/>
-            </a:pPr>
-            <a:r>
-              <a:rPr lang="fr-FR" sz="1200" dirty="0">
-                <a:solidFill>
-                  <a:schemeClr val="tx2"/>
-                </a:solidFill>
-                <a:latin typeface="Open Sans"/>
-                <a:ea typeface="Open Sans"/>
-                <a:cs typeface="Open Sans"/>
-                <a:sym typeface="Open Sans"/>
-              </a:rPr>
-              <a:t>	Iris Lang</a:t>
-            </a:r>
-          </a:p>
-          <a:p>
-            <a:pPr>
-              <a:lnSpc>
-                <a:spcPct val="115000"/>
-              </a:lnSpc>
-              <a:spcBef>
-                <a:spcPts val="0"/>
-              </a:spcBef>
-              <a:buClr>
-                <a:schemeClr val="dk1"/>
-              </a:buClr>
-              <a:buSzPts val="1100"/>
-            </a:pPr>
-            <a:r>
-              <a:rPr lang="fr-FR" sz="1200" dirty="0">
-                <a:solidFill>
-                  <a:schemeClr val="tx2"/>
-                </a:solidFill>
-                <a:latin typeface="Open Sans"/>
-                <a:ea typeface="Open Sans"/>
-                <a:cs typeface="Open Sans"/>
-                <a:sym typeface="Open Sans"/>
-              </a:rPr>
-              <a:t>	Justine Nicolas</a:t>
-            </a:r>
-          </a:p>
-          <a:p>
-            <a:pPr>
-              <a:lnSpc>
-                <a:spcPct val="115000"/>
-              </a:lnSpc>
-              <a:spcBef>
-                <a:spcPts val="0"/>
-              </a:spcBef>
-              <a:buClr>
-                <a:schemeClr val="dk1"/>
-              </a:buClr>
-              <a:buSzPts val="1100"/>
-            </a:pPr>
-            <a:endParaRPr lang="fr-FR" sz="1200" dirty="0">
-              <a:solidFill>
-                <a:schemeClr val="tx2"/>
-              </a:solidFill>
-              <a:latin typeface="Open Sans"/>
-              <a:ea typeface="Open Sans"/>
-              <a:cs typeface="Open Sans"/>
-              <a:sym typeface="Open Sans"/>
-            </a:endParaRPr>
-          </a:p>
-          <a:p>
-            <a:pPr>
-              <a:lnSpc>
-                <a:spcPct val="115000"/>
-              </a:lnSpc>
-              <a:spcBef>
-                <a:spcPts val="0"/>
-              </a:spcBef>
-              <a:buClr>
-                <a:schemeClr val="dk1"/>
-              </a:buClr>
-              <a:buSzPts val="1100"/>
-            </a:pPr>
-            <a:r>
-              <a:rPr lang="fr-FR" sz="1200" i="1" dirty="0">
-                <a:solidFill>
-                  <a:schemeClr val="tx2"/>
-                </a:solidFill>
-                <a:latin typeface="Open Sans"/>
-                <a:ea typeface="Open Sans"/>
-                <a:cs typeface="Open Sans"/>
-                <a:sym typeface="Open Sans"/>
-              </a:rPr>
-              <a:t>FDC Hérault</a:t>
-            </a:r>
-          </a:p>
-          <a:p>
-            <a:pPr>
-              <a:lnSpc>
-                <a:spcPct val="115000"/>
-              </a:lnSpc>
-              <a:spcBef>
-                <a:spcPts val="0"/>
-              </a:spcBef>
-              <a:buClr>
-                <a:schemeClr val="dk1"/>
-              </a:buClr>
-              <a:buSzPts val="1100"/>
-            </a:pPr>
-            <a:r>
-              <a:rPr lang="fr-FR" sz="1200" dirty="0">
-                <a:solidFill>
-                  <a:schemeClr val="tx2"/>
-                </a:solidFill>
-                <a:latin typeface="Open Sans"/>
-                <a:ea typeface="Open Sans"/>
-                <a:cs typeface="Open Sans"/>
-                <a:sym typeface="Open Sans"/>
-              </a:rPr>
-              <a:t>	Tanguy Lebrun</a:t>
-            </a:r>
-          </a:p>
-          <a:p>
-            <a:pPr>
-              <a:lnSpc>
-                <a:spcPct val="115000"/>
-              </a:lnSpc>
-              <a:spcBef>
-                <a:spcPts val="0"/>
-              </a:spcBef>
-              <a:buClr>
-                <a:schemeClr val="dk1"/>
-              </a:buClr>
-              <a:buSzPts val="1100"/>
-            </a:pPr>
-            <a:endParaRPr lang="fr-FR" sz="1200" dirty="0">
-              <a:solidFill>
-                <a:schemeClr val="tx2"/>
-              </a:solidFill>
-              <a:latin typeface="Open Sans"/>
-              <a:ea typeface="Open Sans"/>
-              <a:cs typeface="Open Sans"/>
-              <a:sym typeface="Open Sans"/>
-            </a:endParaRPr>
-          </a:p>
-          <a:p>
-            <a:pPr>
-              <a:lnSpc>
-                <a:spcPct val="115000"/>
-              </a:lnSpc>
-              <a:spcBef>
-                <a:spcPts val="0"/>
-              </a:spcBef>
-              <a:buClr>
-                <a:schemeClr val="dk1"/>
-              </a:buClr>
-              <a:buSzPts val="1100"/>
-            </a:pPr>
             <a:r>
               <a:rPr lang="fr-FR" sz="1200" i="1" dirty="0">
                 <a:solidFill>
@@ -5498,10 +5396,24 @@
                 <a:cs typeface="Open Sans"/>
                 <a:sym typeface="Open Sans"/>
               </a:rPr>
-              <a:t>	Jean-Louis </a:t>
-            </a:r>
-            <a:r>
-              <a:rPr lang="fr-FR" sz="1200" dirty="0" err="1">
+              <a:t>	Jean-Louis Capano</a:t>
+            </a:r>
+          </a:p>
+          <a:p>
+            <a:pPr>
+              <a:lnSpc>
+                <a:spcPct val="115000"/>
+              </a:lnSpc>
+              <a:spcBef>
+                <a:spcPts val="0"/>
+              </a:spcBef>
+              <a:buClr>
+                <a:schemeClr val="dk1"/>
+              </a:buClr>
+              <a:buSzPts val="1100"/>
+            </a:pPr>
+            <a:r>
+              <a:rPr lang="fr-FR" sz="1200" dirty="0">
                 <a:solidFill>
                   <a:schemeClr val="tx2"/>
                 </a:solidFill>
@@ -5510,66 +5422,7 @@
                 <a:cs typeface="Open Sans"/>
                 <a:sym typeface="Open Sans"/>
               </a:rPr>
-              <a:t>Capano</a:t>
-            </a:r>
-            <a:endParaRPr lang="fr-FR" sz="1200" dirty="0">
-              <a:solidFill>
-                <a:schemeClr val="tx2"/>
-              </a:solidFill>
-              <a:latin typeface="Open Sans"/>
-              <a:ea typeface="Open Sans"/>
-              <a:cs typeface="Open Sans"/>
-              <a:sym typeface="Open Sans"/>
-            </a:endParaRPr>
-          </a:p>
-          <a:p>
-            <a:pPr>
-              <a:lnSpc>
-                <a:spcPct val="115000"/>
-              </a:lnSpc>
-              <a:spcBef>
-                <a:spcPts val="0"/>
-              </a:spcBef>
-              <a:buClr>
-                <a:schemeClr val="dk1"/>
-              </a:buClr>
-              <a:buSzPts val="1100"/>
-            </a:pPr>
-            <a:r>
-              <a:rPr lang="fr-FR" sz="1200" dirty="0">
-                <a:solidFill>
-                  <a:schemeClr val="tx2"/>
-                </a:solidFill>
-                <a:latin typeface="Open Sans"/>
-                <a:ea typeface="Open Sans"/>
-                <a:cs typeface="Open Sans"/>
-                <a:sym typeface="Open Sans"/>
-              </a:rPr>
-              <a:t>	</a:t>
-            </a:r>
-            <a:r>
-              <a:rPr lang="fr-FR" sz="1200" dirty="0" err="1">
-                <a:solidFill>
-                  <a:schemeClr val="tx2"/>
-                </a:solidFill>
-                <a:latin typeface="Open Sans"/>
-                <a:ea typeface="Open Sans"/>
-                <a:cs typeface="Open Sans"/>
-                <a:sym typeface="Open Sans"/>
-              </a:rPr>
-              <a:t>Eric</a:t>
-            </a:r>
-            <a:r>
-              <a:rPr lang="fr-FR" sz="1200" dirty="0">
-                <a:solidFill>
-                  <a:schemeClr val="tx2"/>
-                </a:solidFill>
-                <a:latin typeface="Open Sans"/>
-                <a:ea typeface="Open Sans"/>
-                <a:cs typeface="Open Sans"/>
-                <a:sym typeface="Open Sans"/>
-              </a:rPr>
-              <a:t> Deneuve</a:t>
+              <a:t>	Eric Deneuve</a:t>
             </a:r>
           </a:p>
           <a:p>
